--- a/NLPCHEF.pptx
+++ b/NLPCHEF.pptx
@@ -8,12 +8,13 @@
     <p:sldId id="256" r:id="rId2"/>
     <p:sldId id="257" r:id="rId3"/>
     <p:sldId id="258" r:id="rId4"/>
-    <p:sldId id="263" r:id="rId5"/>
-    <p:sldId id="259" r:id="rId6"/>
+    <p:sldId id="259" r:id="rId5"/>
+    <p:sldId id="261" r:id="rId6"/>
     <p:sldId id="260" r:id="rId7"/>
-    <p:sldId id="261" r:id="rId8"/>
+    <p:sldId id="266" r:id="rId8"/>
     <p:sldId id="262" r:id="rId9"/>
-    <p:sldId id="264" r:id="rId10"/>
+    <p:sldId id="265" r:id="rId10"/>
+    <p:sldId id="264" r:id="rId11"/>
   </p:sldIdLst>
   <p:sldSz cx="12192000" cy="6858000"/>
   <p:notesSz cx="6858000" cy="9144000"/>
@@ -112,7 +113,219 @@
       </a:defRPr>
     </a:lvl9pPr>
   </p:defaultTextStyle>
+  <p:extLst>
+    <p:ext uri="{EFAFB233-063F-42B5-8137-9DF3F51BA10A}">
+      <p15:sldGuideLst xmlns:p15="http://schemas.microsoft.com/office/powerpoint/2012/main"/>
+    </p:ext>
+  </p:extLst>
 </p:presentation>
+</file>
+
+<file path=ppt/revisionInfo.xml><?xml version="1.0" encoding="utf-8"?>
+<p1510:revInfo xmlns:a="http://schemas.openxmlformats.org/drawingml/2006/main" xmlns:r="http://schemas.openxmlformats.org/officeDocument/2006/relationships" xmlns:p1510="http://schemas.microsoft.com/office/powerpoint/2015/10/main">
+  <p1510:revLst>
+    <p1510:client id="{F5413509-B855-4530-A57A-94C55BBCA9EF}" v="18" dt="2021-05-17T11:58:27.941"/>
+  </p1510:revLst>
+</p1510:revInfo>
+</file>
+
+<file path=ppt/changesInfos/changesInfo1.xml><?xml version="1.0" encoding="utf-8"?>
+<pc:chgInfo xmlns:a="http://schemas.openxmlformats.org/drawingml/2006/main" xmlns:r="http://schemas.openxmlformats.org/officeDocument/2006/relationships" xmlns:ac="http://schemas.microsoft.com/office/drawing/2013/main/command" xmlns:pc="http://schemas.microsoft.com/office/powerpoint/2013/main/command">
+  <pc:docChgLst>
+    <pc:chgData name="tim holthuijsen" userId="c2227180cd231e55" providerId="LiveId" clId="{F5413509-B855-4530-A57A-94C55BBCA9EF}"/>
+    <pc:docChg chg="custSel addSld delSld modSld sldOrd">
+      <pc:chgData name="tim holthuijsen" userId="c2227180cd231e55" providerId="LiveId" clId="{F5413509-B855-4530-A57A-94C55BBCA9EF}" dt="2021-05-17T12:00:08.796" v="554" actId="404"/>
+      <pc:docMkLst>
+        <pc:docMk/>
+      </pc:docMkLst>
+      <pc:sldChg chg="ord">
+        <pc:chgData name="tim holthuijsen" userId="c2227180cd231e55" providerId="LiveId" clId="{F5413509-B855-4530-A57A-94C55BBCA9EF}" dt="2021-05-17T11:29:05.256" v="1"/>
+        <pc:sldMkLst>
+          <pc:docMk/>
+          <pc:sldMk cId="534596275" sldId="259"/>
+        </pc:sldMkLst>
+      </pc:sldChg>
+      <pc:sldChg chg="addSp modSp mod ord">
+        <pc:chgData name="tim holthuijsen" userId="c2227180cd231e55" providerId="LiveId" clId="{F5413509-B855-4530-A57A-94C55BBCA9EF}" dt="2021-05-17T11:38:43.984" v="49" actId="20577"/>
+        <pc:sldMkLst>
+          <pc:docMk/>
+          <pc:sldMk cId="3879942516" sldId="260"/>
+        </pc:sldMkLst>
+        <pc:spChg chg="mod">
+          <ac:chgData name="tim holthuijsen" userId="c2227180cd231e55" providerId="LiveId" clId="{F5413509-B855-4530-A57A-94C55BBCA9EF}" dt="2021-05-17T11:38:43.984" v="49" actId="20577"/>
+          <ac:spMkLst>
+            <pc:docMk/>
+            <pc:sldMk cId="3879942516" sldId="260"/>
+            <ac:spMk id="3" creationId="{02E8FCCA-5C08-47E8-8821-D9C43F17EEAA}"/>
+          </ac:spMkLst>
+        </pc:spChg>
+        <pc:spChg chg="add mod">
+          <ac:chgData name="tim holthuijsen" userId="c2227180cd231e55" providerId="LiveId" clId="{F5413509-B855-4530-A57A-94C55BBCA9EF}" dt="2021-05-17T11:38:12.675" v="30" actId="1076"/>
+          <ac:spMkLst>
+            <pc:docMk/>
+            <pc:sldMk cId="3879942516" sldId="260"/>
+            <ac:spMk id="4" creationId="{E7BC6D06-094E-42C7-B924-BD70CCCB08FD}"/>
+          </ac:spMkLst>
+        </pc:spChg>
+        <pc:spChg chg="add mod">
+          <ac:chgData name="tim holthuijsen" userId="c2227180cd231e55" providerId="LiveId" clId="{F5413509-B855-4530-A57A-94C55BBCA9EF}" dt="2021-05-17T11:38:23.169" v="31" actId="1076"/>
+          <ac:spMkLst>
+            <pc:docMk/>
+            <pc:sldMk cId="3879942516" sldId="260"/>
+            <ac:spMk id="6" creationId="{C3CB26C8-CC8A-4F7E-A342-8FEE46B1F0F5}"/>
+          </ac:spMkLst>
+        </pc:spChg>
+        <pc:picChg chg="add mod">
+          <ac:chgData name="tim holthuijsen" userId="c2227180cd231e55" providerId="LiveId" clId="{F5413509-B855-4530-A57A-94C55BBCA9EF}" dt="2021-05-17T11:38:26.024" v="32" actId="1076"/>
+          <ac:picMkLst>
+            <pc:docMk/>
+            <pc:sldMk cId="3879942516" sldId="260"/>
+            <ac:picMk id="7" creationId="{839F3FA7-75E2-4FE8-93C6-D859C834D761}"/>
+          </ac:picMkLst>
+        </pc:picChg>
+      </pc:sldChg>
+      <pc:sldChg chg="ord">
+        <pc:chgData name="tim holthuijsen" userId="c2227180cd231e55" providerId="LiveId" clId="{F5413509-B855-4530-A57A-94C55BBCA9EF}" dt="2021-05-17T11:29:13.272" v="3"/>
+        <pc:sldMkLst>
+          <pc:docMk/>
+          <pc:sldMk cId="2762963101" sldId="261"/>
+        </pc:sldMkLst>
+      </pc:sldChg>
+      <pc:sldChg chg="addSp delSp modSp mod">
+        <pc:chgData name="tim holthuijsen" userId="c2227180cd231e55" providerId="LiveId" clId="{F5413509-B855-4530-A57A-94C55BBCA9EF}" dt="2021-05-17T11:52:04.812" v="296" actId="478"/>
+        <pc:sldMkLst>
+          <pc:docMk/>
+          <pc:sldMk cId="3829812375" sldId="262"/>
+        </pc:sldMkLst>
+        <pc:spChg chg="mod">
+          <ac:chgData name="tim holthuijsen" userId="c2227180cd231e55" providerId="LiveId" clId="{F5413509-B855-4530-A57A-94C55BBCA9EF}" dt="2021-05-17T11:42:31.241" v="116" actId="1076"/>
+          <ac:spMkLst>
+            <pc:docMk/>
+            <pc:sldMk cId="3829812375" sldId="262"/>
+            <ac:spMk id="3" creationId="{3ED1B717-A43D-4D91-9688-01EC7312C533}"/>
+          </ac:spMkLst>
+        </pc:spChg>
+        <pc:spChg chg="add mod">
+          <ac:chgData name="tim holthuijsen" userId="c2227180cd231e55" providerId="LiveId" clId="{F5413509-B855-4530-A57A-94C55BBCA9EF}" dt="2021-05-17T11:44:02.074" v="166" actId="207"/>
+          <ac:spMkLst>
+            <pc:docMk/>
+            <pc:sldMk cId="3829812375" sldId="262"/>
+            <ac:spMk id="6" creationId="{A01D4809-241C-446C-AC50-B98DA2A7C9DA}"/>
+          </ac:spMkLst>
+        </pc:spChg>
+        <pc:spChg chg="add mod">
+          <ac:chgData name="tim holthuijsen" userId="c2227180cd231e55" providerId="LiveId" clId="{F5413509-B855-4530-A57A-94C55BBCA9EF}" dt="2021-05-17T11:47:48.744" v="243" actId="1076"/>
+          <ac:spMkLst>
+            <pc:docMk/>
+            <pc:sldMk cId="3829812375" sldId="262"/>
+            <ac:spMk id="8" creationId="{9D37D2B8-61C1-449A-8E23-8230B98AF3A6}"/>
+          </ac:spMkLst>
+        </pc:spChg>
+        <pc:spChg chg="add del mod">
+          <ac:chgData name="tim holthuijsen" userId="c2227180cd231e55" providerId="LiveId" clId="{F5413509-B855-4530-A57A-94C55BBCA9EF}" dt="2021-05-17T11:52:04.812" v="296" actId="478"/>
+          <ac:spMkLst>
+            <pc:docMk/>
+            <pc:sldMk cId="3829812375" sldId="262"/>
+            <ac:spMk id="9" creationId="{99E81D08-6F6F-41C4-898B-7C4327E59681}"/>
+          </ac:spMkLst>
+        </pc:spChg>
+        <pc:graphicFrameChg chg="add mod modGraphic">
+          <ac:chgData name="tim holthuijsen" userId="c2227180cd231e55" providerId="LiveId" clId="{F5413509-B855-4530-A57A-94C55BBCA9EF}" dt="2021-05-17T11:42:48.626" v="122" actId="14100"/>
+          <ac:graphicFrameMkLst>
+            <pc:docMk/>
+            <pc:sldMk cId="3829812375" sldId="262"/>
+            <ac:graphicFrameMk id="4" creationId="{857CAF2B-6A60-4AA1-A7ED-1FC2D590054D}"/>
+          </ac:graphicFrameMkLst>
+        </pc:graphicFrameChg>
+        <pc:graphicFrameChg chg="add mod modGraphic">
+          <ac:chgData name="tim holthuijsen" userId="c2227180cd231e55" providerId="LiveId" clId="{F5413509-B855-4530-A57A-94C55BBCA9EF}" dt="2021-05-17T11:47:20.164" v="224" actId="1076"/>
+          <ac:graphicFrameMkLst>
+            <pc:docMk/>
+            <pc:sldMk cId="3829812375" sldId="262"/>
+            <ac:graphicFrameMk id="7" creationId="{D5F33A8C-CFE7-4258-8A5E-65DC65015FC6}"/>
+          </ac:graphicFrameMkLst>
+        </pc:graphicFrameChg>
+        <pc:picChg chg="add del mod">
+          <ac:chgData name="tim holthuijsen" userId="c2227180cd231e55" providerId="LiveId" clId="{F5413509-B855-4530-A57A-94C55BBCA9EF}" dt="2021-05-17T11:44:25.797" v="167" actId="478"/>
+          <ac:picMkLst>
+            <pc:docMk/>
+            <pc:sldMk cId="3829812375" sldId="262"/>
+            <ac:picMk id="5" creationId="{5E9D92D8-0A92-4399-B07C-5FE12398D8AB}"/>
+          </ac:picMkLst>
+        </pc:picChg>
+      </pc:sldChg>
+      <pc:sldChg chg="del">
+        <pc:chgData name="tim holthuijsen" userId="c2227180cd231e55" providerId="LiveId" clId="{F5413509-B855-4530-A57A-94C55BBCA9EF}" dt="2021-05-17T11:38:49.061" v="50" actId="2696"/>
+        <pc:sldMkLst>
+          <pc:docMk/>
+          <pc:sldMk cId="1432825462" sldId="263"/>
+        </pc:sldMkLst>
+      </pc:sldChg>
+      <pc:sldChg chg="modSp mod">
+        <pc:chgData name="tim holthuijsen" userId="c2227180cd231e55" providerId="LiveId" clId="{F5413509-B855-4530-A57A-94C55BBCA9EF}" dt="2021-05-17T11:54:12.591" v="453" actId="20577"/>
+        <pc:sldMkLst>
+          <pc:docMk/>
+          <pc:sldMk cId="1986758681" sldId="265"/>
+        </pc:sldMkLst>
+        <pc:spChg chg="mod">
+          <ac:chgData name="tim holthuijsen" userId="c2227180cd231e55" providerId="LiveId" clId="{F5413509-B855-4530-A57A-94C55BBCA9EF}" dt="2021-05-17T11:48:40.651" v="250" actId="20577"/>
+          <ac:spMkLst>
+            <pc:docMk/>
+            <pc:sldMk cId="1986758681" sldId="265"/>
+            <ac:spMk id="2" creationId="{41F68558-FF58-4081-A07F-85CB64DB8F02}"/>
+          </ac:spMkLst>
+        </pc:spChg>
+        <pc:spChg chg="mod">
+          <ac:chgData name="tim holthuijsen" userId="c2227180cd231e55" providerId="LiveId" clId="{F5413509-B855-4530-A57A-94C55BBCA9EF}" dt="2021-05-17T11:54:12.591" v="453" actId="20577"/>
+          <ac:spMkLst>
+            <pc:docMk/>
+            <pc:sldMk cId="1986758681" sldId="265"/>
+            <ac:spMk id="3" creationId="{7C57D791-84EC-4B63-A260-96837B3978DD}"/>
+          </ac:spMkLst>
+        </pc:spChg>
+      </pc:sldChg>
+      <pc:sldChg chg="addSp modSp new mod">
+        <pc:chgData name="tim holthuijsen" userId="c2227180cd231e55" providerId="LiveId" clId="{F5413509-B855-4530-A57A-94C55BBCA9EF}" dt="2021-05-17T12:00:08.796" v="554" actId="404"/>
+        <pc:sldMkLst>
+          <pc:docMk/>
+          <pc:sldMk cId="2627378406" sldId="266"/>
+        </pc:sldMkLst>
+        <pc:spChg chg="mod">
+          <ac:chgData name="tim holthuijsen" userId="c2227180cd231e55" providerId="LiveId" clId="{F5413509-B855-4530-A57A-94C55BBCA9EF}" dt="2021-05-17T11:57:47.589" v="469" actId="20577"/>
+          <ac:spMkLst>
+            <pc:docMk/>
+            <pc:sldMk cId="2627378406" sldId="266"/>
+            <ac:spMk id="2" creationId="{2BCA5C7E-C65A-47E3-88D3-3114B65B5400}"/>
+          </ac:spMkLst>
+        </pc:spChg>
+        <pc:spChg chg="add">
+          <ac:chgData name="tim holthuijsen" userId="c2227180cd231e55" providerId="LiveId" clId="{F5413509-B855-4530-A57A-94C55BBCA9EF}" dt="2021-05-17T11:58:09.301" v="470"/>
+          <ac:spMkLst>
+            <pc:docMk/>
+            <pc:sldMk cId="2627378406" sldId="266"/>
+            <ac:spMk id="4" creationId="{CFB0BE9C-93D7-4173-BDE7-A715A1DF17B9}"/>
+          </ac:spMkLst>
+        </pc:spChg>
+        <pc:spChg chg="add mod">
+          <ac:chgData name="tim holthuijsen" userId="c2227180cd231e55" providerId="LiveId" clId="{F5413509-B855-4530-A57A-94C55BBCA9EF}" dt="2021-05-17T12:00:08.796" v="554" actId="404"/>
+          <ac:spMkLst>
+            <pc:docMk/>
+            <pc:sldMk cId="2627378406" sldId="266"/>
+            <ac:spMk id="6" creationId="{ABC780C8-5766-459F-8687-61E53CDDAA24}"/>
+          </ac:spMkLst>
+        </pc:spChg>
+        <pc:picChg chg="add mod">
+          <ac:chgData name="tim holthuijsen" userId="c2227180cd231e55" providerId="LiveId" clId="{F5413509-B855-4530-A57A-94C55BBCA9EF}" dt="2021-05-17T11:58:24.260" v="475" actId="1076"/>
+          <ac:picMkLst>
+            <pc:docMk/>
+            <pc:sldMk cId="2627378406" sldId="266"/>
+            <ac:picMk id="5" creationId="{0197EE12-F609-493E-A1C4-810F34038ED5}"/>
+          </ac:picMkLst>
+        </pc:picChg>
+      </pc:sldChg>
+    </pc:docChg>
+  </pc:docChgLst>
+</pc:chgInfo>
 </file>
 
 <file path=ppt/slideLayouts/slideLayout1.xml><?xml version="1.0" encoding="utf-8"?>
@@ -1326,7 +1539,7 @@
           <a:p>
             <a:fld id="{8967B15C-994B-429A-862F-F5C123DE2EDD}" type="datetimeFigureOut">
               <a:rPr lang="nl-NL" smtClean="0"/>
-              <a:t>16-5-2021</a:t>
+              <a:t>17-5-2021</a:t>
             </a:fld>
             <a:endParaRPr lang="nl-NL"/>
           </a:p>
@@ -1398,7 +1611,7 @@
           <a:p>
             <a:fld id="{EDB0D5BF-2C5E-483D-B3F2-81225427E696}" type="slidenum">
               <a:rPr lang="nl-NL" smtClean="0"/>
-              <a:t>‹nr.›</a:t>
+              <a:t>‹#›</a:t>
             </a:fld>
             <a:endParaRPr lang="nl-NL"/>
           </a:p>
@@ -1564,7 +1777,7 @@
           <a:p>
             <a:fld id="{8967B15C-994B-429A-862F-F5C123DE2EDD}" type="datetimeFigureOut">
               <a:rPr lang="nl-NL" smtClean="0"/>
-              <a:t>16-5-2021</a:t>
+              <a:t>17-5-2021</a:t>
             </a:fld>
             <a:endParaRPr lang="nl-NL"/>
           </a:p>
@@ -1606,7 +1819,7 @@
           <a:p>
             <a:fld id="{EDB0D5BF-2C5E-483D-B3F2-81225427E696}" type="slidenum">
               <a:rPr lang="nl-NL" smtClean="0"/>
-              <a:t>‹nr.›</a:t>
+              <a:t>‹#›</a:t>
             </a:fld>
             <a:endParaRPr lang="nl-NL"/>
           </a:p>
@@ -1744,7 +1957,7 @@
           <a:p>
             <a:fld id="{8967B15C-994B-429A-862F-F5C123DE2EDD}" type="datetimeFigureOut">
               <a:rPr lang="nl-NL" smtClean="0"/>
-              <a:t>16-5-2021</a:t>
+              <a:t>17-5-2021</a:t>
             </a:fld>
             <a:endParaRPr lang="nl-NL"/>
           </a:p>
@@ -1786,7 +1999,7 @@
           <a:p>
             <a:fld id="{EDB0D5BF-2C5E-483D-B3F2-81225427E696}" type="slidenum">
               <a:rPr lang="nl-NL" smtClean="0"/>
-              <a:t>‹nr.›</a:t>
+              <a:t>‹#›</a:t>
             </a:fld>
             <a:endParaRPr lang="nl-NL"/>
           </a:p>
@@ -1914,7 +2127,7 @@
           <a:p>
             <a:fld id="{8967B15C-994B-429A-862F-F5C123DE2EDD}" type="datetimeFigureOut">
               <a:rPr lang="nl-NL" smtClean="0"/>
-              <a:t>16-5-2021</a:t>
+              <a:t>17-5-2021</a:t>
             </a:fld>
             <a:endParaRPr lang="nl-NL"/>
           </a:p>
@@ -1956,7 +2169,7 @@
           <a:p>
             <a:fld id="{EDB0D5BF-2C5E-483D-B3F2-81225427E696}" type="slidenum">
               <a:rPr lang="nl-NL" smtClean="0"/>
-              <a:t>‹nr.›</a:t>
+              <a:t>‹#›</a:t>
             </a:fld>
             <a:endParaRPr lang="nl-NL"/>
           </a:p>
@@ -2190,7 +2403,7 @@
           <a:p>
             <a:fld id="{8967B15C-994B-429A-862F-F5C123DE2EDD}" type="datetimeFigureOut">
               <a:rPr lang="nl-NL" smtClean="0"/>
-              <a:t>16-5-2021</a:t>
+              <a:t>17-5-2021</a:t>
             </a:fld>
             <a:endParaRPr lang="nl-NL"/>
           </a:p>
@@ -2258,7 +2471,7 @@
           <a:p>
             <a:fld id="{EDB0D5BF-2C5E-483D-B3F2-81225427E696}" type="slidenum">
               <a:rPr lang="nl-NL" smtClean="0"/>
-              <a:t>‹nr.›</a:t>
+              <a:t>‹#›</a:t>
             </a:fld>
             <a:endParaRPr lang="nl-NL"/>
           </a:p>
@@ -3391,7 +3604,7 @@
           <a:p>
             <a:fld id="{8967B15C-994B-429A-862F-F5C123DE2EDD}" type="datetimeFigureOut">
               <a:rPr lang="nl-NL" smtClean="0"/>
-              <a:t>16-5-2021</a:t>
+              <a:t>17-5-2021</a:t>
             </a:fld>
             <a:endParaRPr lang="nl-NL"/>
           </a:p>
@@ -3433,7 +3646,7 @@
           <a:p>
             <a:fld id="{EDB0D5BF-2C5E-483D-B3F2-81225427E696}" type="slidenum">
               <a:rPr lang="nl-NL" smtClean="0"/>
-              <a:t>‹nr.›</a:t>
+              <a:t>‹#›</a:t>
             </a:fld>
             <a:endParaRPr lang="nl-NL"/>
           </a:p>
@@ -3781,7 +3994,7 @@
           <a:p>
             <a:fld id="{8967B15C-994B-429A-862F-F5C123DE2EDD}" type="datetimeFigureOut">
               <a:rPr lang="nl-NL" smtClean="0"/>
-              <a:t>16-5-2021</a:t>
+              <a:t>17-5-2021</a:t>
             </a:fld>
             <a:endParaRPr lang="nl-NL"/>
           </a:p>
@@ -3823,7 +4036,7 @@
           <a:p>
             <a:fld id="{EDB0D5BF-2C5E-483D-B3F2-81225427E696}" type="slidenum">
               <a:rPr lang="nl-NL" smtClean="0"/>
-              <a:t>‹nr.›</a:t>
+              <a:t>‹#›</a:t>
             </a:fld>
             <a:endParaRPr lang="nl-NL"/>
           </a:p>
@@ -3904,7 +4117,7 @@
           <a:p>
             <a:fld id="{8967B15C-994B-429A-862F-F5C123DE2EDD}" type="datetimeFigureOut">
               <a:rPr lang="nl-NL" smtClean="0"/>
-              <a:t>16-5-2021</a:t>
+              <a:t>17-5-2021</a:t>
             </a:fld>
             <a:endParaRPr lang="nl-NL"/>
           </a:p>
@@ -3946,7 +4159,7 @@
           <a:p>
             <a:fld id="{EDB0D5BF-2C5E-483D-B3F2-81225427E696}" type="slidenum">
               <a:rPr lang="nl-NL" smtClean="0"/>
-              <a:t>‹nr.›</a:t>
+              <a:t>‹#›</a:t>
             </a:fld>
             <a:endParaRPr lang="nl-NL"/>
           </a:p>
@@ -3999,7 +4212,7 @@
           <a:p>
             <a:fld id="{8967B15C-994B-429A-862F-F5C123DE2EDD}" type="datetimeFigureOut">
               <a:rPr lang="nl-NL" smtClean="0"/>
-              <a:t>16-5-2021</a:t>
+              <a:t>17-5-2021</a:t>
             </a:fld>
             <a:endParaRPr lang="nl-NL"/>
           </a:p>
@@ -4041,7 +4254,7 @@
           <a:p>
             <a:fld id="{EDB0D5BF-2C5E-483D-B3F2-81225427E696}" type="slidenum">
               <a:rPr lang="nl-NL" smtClean="0"/>
-              <a:t>‹nr.›</a:t>
+              <a:t>‹#›</a:t>
             </a:fld>
             <a:endParaRPr lang="nl-NL"/>
           </a:p>
@@ -4762,7 +4975,7 @@
           <a:p>
             <a:fld id="{8967B15C-994B-429A-862F-F5C123DE2EDD}" type="datetimeFigureOut">
               <a:rPr lang="nl-NL" smtClean="0"/>
-              <a:t>16-5-2021</a:t>
+              <a:t>17-5-2021</a:t>
             </a:fld>
             <a:endParaRPr lang="nl-NL"/>
           </a:p>
@@ -4814,7 +5027,7 @@
           <a:p>
             <a:fld id="{EDB0D5BF-2C5E-483D-B3F2-81225427E696}" type="slidenum">
               <a:rPr lang="nl-NL" smtClean="0"/>
-              <a:t>‹nr.›</a:t>
+              <a:t>‹#›</a:t>
             </a:fld>
             <a:endParaRPr lang="nl-NL"/>
           </a:p>
@@ -5602,7 +5815,7 @@
           <a:p>
             <a:fld id="{8967B15C-994B-429A-862F-F5C123DE2EDD}" type="datetimeFigureOut">
               <a:rPr lang="nl-NL" smtClean="0"/>
-              <a:t>16-5-2021</a:t>
+              <a:t>17-5-2021</a:t>
             </a:fld>
             <a:endParaRPr lang="nl-NL"/>
           </a:p>
@@ -5654,7 +5867,7 @@
           <a:p>
             <a:fld id="{EDB0D5BF-2C5E-483D-B3F2-81225427E696}" type="slidenum">
               <a:rPr lang="nl-NL" smtClean="0"/>
-              <a:t>‹nr.›</a:t>
+              <a:t>‹#›</a:t>
             </a:fld>
             <a:endParaRPr lang="nl-NL"/>
           </a:p>
@@ -5829,7 +6042,7 @@
           <a:p>
             <a:fld id="{8967B15C-994B-429A-862F-F5C123DE2EDD}" type="datetimeFigureOut">
               <a:rPr lang="nl-NL" smtClean="0"/>
-              <a:t>16-5-2021</a:t>
+              <a:t>17-5-2021</a:t>
             </a:fld>
             <a:endParaRPr lang="nl-NL"/>
           </a:p>
@@ -5909,7 +6122,7 @@
           <a:p>
             <a:fld id="{EDB0D5BF-2C5E-483D-B3F2-81225427E696}" type="slidenum">
               <a:rPr lang="nl-NL" smtClean="0"/>
-              <a:t>‹nr.›</a:t>
+              <a:t>‹#›</a:t>
             </a:fld>
             <a:endParaRPr lang="nl-NL"/>
           </a:p>
@@ -6899,6 +7112,141 @@
 </p:sld>
 </file>
 
+<file path=ppt/slides/slide10.xml><?xml version="1.0" encoding="utf-8"?>
+<p:sld xmlns:a="http://schemas.openxmlformats.org/drawingml/2006/main" xmlns:r="http://schemas.openxmlformats.org/officeDocument/2006/relationships" xmlns:p="http://schemas.openxmlformats.org/presentationml/2006/main">
+  <p:cSld>
+    <p:spTree>
+      <p:nvGrpSpPr>
+        <p:cNvPr id="1" name=""/>
+        <p:cNvGrpSpPr/>
+        <p:nvPr/>
+      </p:nvGrpSpPr>
+      <p:grpSpPr>
+        <a:xfrm>
+          <a:off x="0" y="0"/>
+          <a:ext cx="0" cy="0"/>
+          <a:chOff x="0" y="0"/>
+          <a:chExt cx="0" cy="0"/>
+        </a:xfrm>
+      </p:grpSpPr>
+      <p:sp>
+        <p:nvSpPr>
+          <p:cNvPr id="2" name="Titel 1">
+            <a:extLst>
+              <a:ext uri="{FF2B5EF4-FFF2-40B4-BE49-F238E27FC236}">
+                <a16:creationId xmlns:a16="http://schemas.microsoft.com/office/drawing/2014/main" id="{4166E0D6-2485-49DD-910A-A93D3048E4A4}"/>
+              </a:ext>
+            </a:extLst>
+          </p:cNvPr>
+          <p:cNvSpPr>
+            <a:spLocks noGrp="1"/>
+          </p:cNvSpPr>
+          <p:nvPr>
+            <p:ph type="title"/>
+          </p:nvPr>
+        </p:nvSpPr>
+        <p:spPr/>
+        <p:txBody>
+          <a:bodyPr/>
+          <a:lstStyle/>
+          <a:p>
+            <a:r>
+              <a:rPr lang="en-GB" dirty="0"/>
+              <a:t>Conclusion</a:t>
+            </a:r>
+            <a:endParaRPr lang="nl-NL" dirty="0"/>
+          </a:p>
+        </p:txBody>
+      </p:sp>
+      <p:sp>
+        <p:nvSpPr>
+          <p:cNvPr id="3" name="Tijdelijke aanduiding voor inhoud 2">
+            <a:extLst>
+              <a:ext uri="{FF2B5EF4-FFF2-40B4-BE49-F238E27FC236}">
+                <a16:creationId xmlns:a16="http://schemas.microsoft.com/office/drawing/2014/main" id="{D21A0736-74D0-4707-BF9D-D53E985CE0FA}"/>
+              </a:ext>
+            </a:extLst>
+          </p:cNvPr>
+          <p:cNvSpPr>
+            <a:spLocks noGrp="1"/>
+          </p:cNvSpPr>
+          <p:nvPr>
+            <p:ph idx="1"/>
+          </p:nvPr>
+        </p:nvSpPr>
+        <p:spPr/>
+        <p:txBody>
+          <a:bodyPr/>
+          <a:lstStyle/>
+          <a:p>
+            <a:r>
+              <a:rPr lang="en-GB" dirty="0"/>
+              <a:t>The GPT-model versus our custom model</a:t>
+            </a:r>
+          </a:p>
+          <a:p>
+            <a:r>
+              <a:rPr lang="en-GB" dirty="0"/>
+              <a:t>Could it create cookbooks?</a:t>
+            </a:r>
+          </a:p>
+          <a:p>
+            <a:endParaRPr lang="nl-NL" dirty="0"/>
+          </a:p>
+          <a:p>
+            <a:endParaRPr lang="nl-NL" dirty="0"/>
+          </a:p>
+        </p:txBody>
+      </p:sp>
+      <p:pic>
+        <p:nvPicPr>
+          <p:cNvPr id="5" name="Afbeelding 4">
+            <a:extLst>
+              <a:ext uri="{FF2B5EF4-FFF2-40B4-BE49-F238E27FC236}">
+                <a16:creationId xmlns:a16="http://schemas.microsoft.com/office/drawing/2014/main" id="{3D3FA4BE-A07B-4AF4-8458-78A1F0E5D877}"/>
+              </a:ext>
+            </a:extLst>
+          </p:cNvPr>
+          <p:cNvPicPr>
+            <a:picLocks noChangeAspect="1"/>
+          </p:cNvPicPr>
+          <p:nvPr/>
+        </p:nvPicPr>
+        <p:blipFill>
+          <a:blip r:embed="rId2">
+            <a:extLst>
+              <a:ext uri="{28A0092B-C50C-407E-A947-70E740481C1C}">
+                <a14:useLocalDpi xmlns:a14="http://schemas.microsoft.com/office/drawing/2010/main" val="0"/>
+              </a:ext>
+            </a:extLst>
+          </a:blip>
+          <a:stretch>
+            <a:fillRect/>
+          </a:stretch>
+        </p:blipFill>
+        <p:spPr>
+          <a:xfrm>
+            <a:off x="7429066" y="3429000"/>
+            <a:ext cx="2359170" cy="3011706"/>
+          </a:xfrm>
+          <a:prstGeom prst="rect">
+            <a:avLst/>
+          </a:prstGeom>
+        </p:spPr>
+      </p:pic>
+    </p:spTree>
+    <p:extLst>
+      <p:ext uri="{BB962C8B-B14F-4D97-AF65-F5344CB8AC3E}">
+        <p14:creationId xmlns:p14="http://schemas.microsoft.com/office/powerpoint/2010/main" val="3779194090"/>
+      </p:ext>
+    </p:extLst>
+  </p:cSld>
+  <p:clrMapOvr>
+    <a:masterClrMapping/>
+  </p:clrMapOvr>
+</p:sld>
+</file>
+
 <file path=ppt/slides/slide2.xml><?xml version="1.0" encoding="utf-8"?>
 <p:sld xmlns:a="http://schemas.openxmlformats.org/drawingml/2006/main" xmlns:r="http://schemas.openxmlformats.org/officeDocument/2006/relationships" xmlns:p="http://schemas.openxmlformats.org/presentationml/2006/main">
   <p:cSld>
@@ -6994,10 +7342,9 @@
           </a:p>
           <a:p>
             <a:r>
-              <a:rPr lang="nl-NL" dirty="0" err="1"/>
+              <a:rPr lang="nl-NL" dirty="0"/>
               <a:t>Results</a:t>
             </a:r>
-            <a:endParaRPr lang="nl-NL" dirty="0"/>
           </a:p>
           <a:p>
             <a:r>
@@ -7190,7 +7537,7 @@
           <p:cNvPr id="2" name="Titel 1">
             <a:extLst>
               <a:ext uri="{FF2B5EF4-FFF2-40B4-BE49-F238E27FC236}">
-                <a16:creationId xmlns:a16="http://schemas.microsoft.com/office/drawing/2014/main" id="{DC261516-4D60-4782-95EA-8250042591D5}"/>
+                <a16:creationId xmlns:a16="http://schemas.microsoft.com/office/drawing/2014/main" id="{41F68558-FF58-4081-A07F-85CB64DB8F02}"/>
               </a:ext>
             </a:extLst>
           </p:cNvPr>
@@ -7208,8 +7555,11 @@
           <a:p>
             <a:r>
               <a:rPr lang="en-GB" dirty="0"/>
-              <a:t>Datasets</a:t>
-            </a:r>
+              <a:t>GPT-2 model</a:t>
+            </a:r>
+            <a:br>
+              <a:rPr lang="en-GB" dirty="0"/>
+            </a:br>
             <a:endParaRPr lang="nl-NL" dirty="0"/>
           </a:p>
         </p:txBody>
@@ -7219,7 +7569,7 @@
           <p:cNvPr id="3" name="Tijdelijke aanduiding voor inhoud 2">
             <a:extLst>
               <a:ext uri="{FF2B5EF4-FFF2-40B4-BE49-F238E27FC236}">
-                <a16:creationId xmlns:a16="http://schemas.microsoft.com/office/drawing/2014/main" id="{7751CF5E-4B13-424D-A907-8E9FE3DECDA8}"/>
+                <a16:creationId xmlns:a16="http://schemas.microsoft.com/office/drawing/2014/main" id="{7C57D791-84EC-4B63-A260-96837B3978DD}"/>
               </a:ext>
             </a:extLst>
           </p:cNvPr>
@@ -7236,58 +7586,77 @@
           <a:lstStyle/>
           <a:p>
             <a:r>
-              <a:rPr lang="en-GB" dirty="0"/>
-              <a:t>Websites with recipes</a:t>
-            </a:r>
-          </a:p>
-          <a:p>
-            <a:r>
               <a:rPr lang="nl-NL" dirty="0"/>
-              <a:t>Foodnetwork.com, Epicurious.com,  Allrecipes.com</a:t>
-            </a:r>
-          </a:p>
-          <a:p>
+              <a:t>General-</a:t>
+            </a:r>
+            <a:r>
+              <a:rPr lang="nl-NL" dirty="0" err="1"/>
+              <a:t>purpose</a:t>
+            </a:r>
             <a:r>
               <a:rPr lang="nl-NL" dirty="0"/>
-              <a:t>Preprocessing</a:t>
+              <a:t> </a:t>
+            </a:r>
+            <a:r>
+              <a:rPr lang="nl-NL" dirty="0" err="1"/>
+              <a:t>learner</a:t>
+            </a:r>
+            <a:endParaRPr lang="nl-NL" dirty="0"/>
+          </a:p>
+          <a:p>
+            <a:r>
+              <a:rPr lang="nl-NL" dirty="0"/>
+              <a:t>A </a:t>
+            </a:r>
+            <a:r>
+              <a:rPr lang="nl-NL" dirty="0" err="1"/>
+              <a:t>transformer</a:t>
+            </a:r>
+            <a:r>
+              <a:rPr lang="nl-NL" dirty="0"/>
+              <a:t> model</a:t>
+            </a:r>
+          </a:p>
+          <a:p>
+            <a:r>
+              <a:rPr lang="nl-NL" dirty="0" err="1"/>
+              <a:t>Not</a:t>
+            </a:r>
+            <a:r>
+              <a:rPr lang="nl-NL" dirty="0"/>
+              <a:t> perfect </a:t>
+            </a:r>
+            <a:r>
+              <a:rPr lang="nl-NL" dirty="0" err="1"/>
+              <a:t>for</a:t>
+            </a:r>
+            <a:r>
+              <a:rPr lang="nl-NL" dirty="0"/>
+              <a:t> </a:t>
+            </a:r>
+            <a:r>
+              <a:rPr lang="nl-NL" dirty="0" err="1"/>
+              <a:t>the</a:t>
+            </a:r>
+            <a:r>
+              <a:rPr lang="nl-NL" dirty="0"/>
+              <a:t> </a:t>
+            </a:r>
+            <a:r>
+              <a:rPr lang="nl-NL" dirty="0" err="1"/>
+              <a:t>task</a:t>
+            </a:r>
+            <a:r>
+              <a:rPr lang="nl-NL" dirty="0"/>
+              <a:t> at hand</a:t>
             </a:r>
           </a:p>
         </p:txBody>
       </p:sp>
-      <p:pic>
-        <p:nvPicPr>
-          <p:cNvPr id="5" name="Afbeelding 4">
-            <a:extLst>
-              <a:ext uri="{FF2B5EF4-FFF2-40B4-BE49-F238E27FC236}">
-                <a16:creationId xmlns:a16="http://schemas.microsoft.com/office/drawing/2014/main" id="{30BC4947-40CC-433D-AB4C-DE5CD25C8510}"/>
-              </a:ext>
-            </a:extLst>
-          </p:cNvPr>
-          <p:cNvPicPr>
-            <a:picLocks noChangeAspect="1"/>
-          </p:cNvPicPr>
-          <p:nvPr/>
-        </p:nvPicPr>
-        <p:blipFill>
-          <a:blip r:embed="rId2"/>
-          <a:stretch>
-            <a:fillRect/>
-          </a:stretch>
-        </p:blipFill>
-        <p:spPr>
-          <a:xfrm>
-            <a:off x="1251678" y="4654763"/>
-            <a:ext cx="9563100" cy="1743075"/>
-          </a:xfrm>
-          <a:prstGeom prst="rect">
-            <a:avLst/>
-          </a:prstGeom>
-        </p:spPr>
-      </p:pic>
     </p:spTree>
     <p:extLst>
       <p:ext uri="{BB962C8B-B14F-4D97-AF65-F5344CB8AC3E}">
-        <p14:creationId xmlns:p14="http://schemas.microsoft.com/office/powerpoint/2010/main" val="1432825462"/>
+        <p14:creationId xmlns:p14="http://schemas.microsoft.com/office/powerpoint/2010/main" val="534596275"/>
       </p:ext>
     </p:extLst>
   </p:cSld>
@@ -7319,7 +7688,7 @@
           <p:cNvPr id="2" name="Titel 1">
             <a:extLst>
               <a:ext uri="{FF2B5EF4-FFF2-40B4-BE49-F238E27FC236}">
-                <a16:creationId xmlns:a16="http://schemas.microsoft.com/office/drawing/2014/main" id="{41F68558-FF58-4081-A07F-85CB64DB8F02}"/>
+                <a16:creationId xmlns:a16="http://schemas.microsoft.com/office/drawing/2014/main" id="{3B80D135-7C0B-42C9-B9CF-18F4F2BFA809}"/>
               </a:ext>
             </a:extLst>
           </p:cNvPr>
@@ -7336,11 +7705,11 @@
           <a:lstStyle/>
           <a:p>
             <a:r>
-              <a:rPr lang="en-GB" dirty="0"/>
-              <a:t>GPT-2 model</a:t>
+              <a:rPr lang="nl-NL" dirty="0"/>
+              <a:t>Results</a:t>
             </a:r>
             <a:br>
-              <a:rPr lang="en-GB" dirty="0"/>
+              <a:rPr lang="nl-NL" dirty="0"/>
             </a:br>
             <a:endParaRPr lang="nl-NL" dirty="0"/>
           </a:p>
@@ -7351,7 +7720,7 @@
           <p:cNvPr id="3" name="Tijdelijke aanduiding voor inhoud 2">
             <a:extLst>
               <a:ext uri="{FF2B5EF4-FFF2-40B4-BE49-F238E27FC236}">
-                <a16:creationId xmlns:a16="http://schemas.microsoft.com/office/drawing/2014/main" id="{7C57D791-84EC-4B63-A260-96837B3978DD}"/>
+                <a16:creationId xmlns:a16="http://schemas.microsoft.com/office/drawing/2014/main" id="{F734A710-AFA2-4D65-A458-F0154809284F}"/>
               </a:ext>
             </a:extLst>
           </p:cNvPr>
@@ -7362,83 +7731,60 @@
             <p:ph idx="1"/>
           </p:nvPr>
         </p:nvSpPr>
-        <p:spPr/>
+        <p:spPr>
+          <a:xfrm>
+            <a:off x="1251678" y="2047010"/>
+            <a:ext cx="10178322" cy="3593591"/>
+          </a:xfrm>
+        </p:spPr>
         <p:txBody>
           <a:bodyPr/>
           <a:lstStyle/>
           <a:p>
             <a:r>
-              <a:rPr lang="nl-NL" dirty="0"/>
-              <a:t>General-</a:t>
-            </a:r>
-            <a:r>
-              <a:rPr lang="nl-NL" dirty="0" err="1"/>
-              <a:t>purpose</a:t>
-            </a:r>
-            <a:r>
-              <a:rPr lang="nl-NL" dirty="0"/>
-              <a:t> </a:t>
-            </a:r>
-            <a:r>
-              <a:rPr lang="nl-NL" dirty="0" err="1"/>
-              <a:t>learner</a:t>
-            </a:r>
+              <a:rPr lang="en-GB" dirty="0"/>
+              <a:t>Example of GPT-2 model generated recipe:</a:t>
+            </a:r>
+          </a:p>
+          <a:p>
             <a:endParaRPr lang="nl-NL" dirty="0"/>
-          </a:p>
-          <a:p>
-            <a:r>
-              <a:rPr lang="nl-NL" dirty="0"/>
-              <a:t>A </a:t>
-            </a:r>
-            <a:r>
-              <a:rPr lang="nl-NL" dirty="0" err="1"/>
-              <a:t>transformer</a:t>
-            </a:r>
-            <a:r>
-              <a:rPr lang="nl-NL" dirty="0"/>
-              <a:t> model</a:t>
-            </a:r>
-          </a:p>
-          <a:p>
-            <a:r>
-              <a:rPr lang="nl-NL" dirty="0" err="1"/>
-              <a:t>Not</a:t>
-            </a:r>
-            <a:r>
-              <a:rPr lang="nl-NL" dirty="0"/>
-              <a:t> perfect </a:t>
-            </a:r>
-            <a:r>
-              <a:rPr lang="nl-NL" dirty="0" err="1"/>
-              <a:t>for</a:t>
-            </a:r>
-            <a:r>
-              <a:rPr lang="nl-NL" dirty="0"/>
-              <a:t> </a:t>
-            </a:r>
-            <a:r>
-              <a:rPr lang="nl-NL" dirty="0" err="1"/>
-              <a:t>the</a:t>
-            </a:r>
-            <a:r>
-              <a:rPr lang="nl-NL" dirty="0"/>
-              <a:t> </a:t>
-            </a:r>
-            <a:r>
-              <a:rPr lang="nl-NL" dirty="0" err="1"/>
-              <a:t>task</a:t>
-            </a:r>
-            <a:r>
-              <a:rPr lang="nl-NL" dirty="0"/>
-              <a:t> at hand</a:t>
-            </a:r>
           </a:p>
         </p:txBody>
       </p:sp>
+      <p:pic>
+        <p:nvPicPr>
+          <p:cNvPr id="8" name="Afbeelding 7">
+            <a:extLst>
+              <a:ext uri="{FF2B5EF4-FFF2-40B4-BE49-F238E27FC236}">
+                <a16:creationId xmlns:a16="http://schemas.microsoft.com/office/drawing/2014/main" id="{BB11F888-7B7E-4F37-B998-8624E76C9507}"/>
+              </a:ext>
+            </a:extLst>
+          </p:cNvPr>
+          <p:cNvPicPr>
+            <a:picLocks noChangeAspect="1"/>
+          </p:cNvPicPr>
+          <p:nvPr/>
+        </p:nvPicPr>
+        <p:blipFill>
+          <a:blip r:embed="rId2"/>
+          <a:stretch>
+            <a:fillRect/>
+          </a:stretch>
+        </p:blipFill>
+        <p:spPr>
+          <a:xfrm>
+            <a:off x="1251678" y="2572775"/>
+            <a:ext cx="8482445" cy="4285225"/>
+          </a:xfrm>
+          <a:prstGeom prst="rect">
+            <a:avLst/>
+          </a:prstGeom>
+        </p:spPr>
+      </p:pic>
     </p:spTree>
     <p:extLst>
       <p:ext uri="{BB962C8B-B14F-4D97-AF65-F5344CB8AC3E}">
-        <p14:creationId xmlns:p14="http://schemas.microsoft.com/office/powerpoint/2010/main" val="534596275"/>
+        <p14:creationId xmlns:p14="http://schemas.microsoft.com/office/powerpoint/2010/main" val="2762963101"/>
       </p:ext>
     </p:extLst>
   </p:cSld>
@@ -7513,7 +7859,12 @@
             <p:ph idx="1"/>
           </p:nvPr>
         </p:nvSpPr>
-        <p:spPr/>
+        <p:spPr>
+          <a:xfrm>
+            <a:off x="1130380" y="1874517"/>
+            <a:ext cx="10178322" cy="3593591"/>
+          </a:xfrm>
+        </p:spPr>
         <p:txBody>
           <a:bodyPr/>
           <a:lstStyle/>
@@ -7532,13 +7883,13 @@
           <a:p>
             <a:r>
               <a:rPr lang="en-GB" dirty="0"/>
+              <a:t>Data Processing</a:t>
+            </a:r>
+          </a:p>
+          <a:p>
+            <a:r>
+              <a:rPr lang="en-GB" dirty="0"/>
               <a:t>Training the model</a:t>
-            </a:r>
-          </a:p>
-          <a:p>
-            <a:r>
-              <a:rPr lang="en-GB" dirty="0"/>
-              <a:t>Hyperparameter tuning</a:t>
             </a:r>
           </a:p>
           <a:p>
@@ -7552,6 +7903,106 @@
           </a:p>
         </p:txBody>
       </p:sp>
+      <p:sp>
+        <p:nvSpPr>
+          <p:cNvPr id="4" name="TextBox 3">
+            <a:extLst>
+              <a:ext uri="{FF2B5EF4-FFF2-40B4-BE49-F238E27FC236}">
+                <a16:creationId xmlns:a16="http://schemas.microsoft.com/office/drawing/2014/main" id="{E7BC6D06-094E-42C7-B924-BD70CCCB08FD}"/>
+              </a:ext>
+            </a:extLst>
+          </p:cNvPr>
+          <p:cNvSpPr txBox="1"/>
+          <p:nvPr/>
+        </p:nvSpPr>
+        <p:spPr>
+          <a:xfrm>
+            <a:off x="5758194" y="3514729"/>
+            <a:ext cx="2382474" cy="461665"/>
+          </a:xfrm>
+          <a:prstGeom prst="rect">
+            <a:avLst/>
+          </a:prstGeom>
+          <a:noFill/>
+        </p:spPr>
+        <p:txBody>
+          <a:bodyPr wrap="square" rtlCol="0">
+            <a:spAutoFit/>
+          </a:bodyPr>
+          <a:lstStyle/>
+          <a:p>
+            <a:r>
+              <a:rPr lang="en-US" sz="2400" b="1" dirty="0"/>
+              <a:t>Datasets</a:t>
+            </a:r>
+          </a:p>
+        </p:txBody>
+      </p:sp>
+      <p:sp>
+        <p:nvSpPr>
+          <p:cNvPr id="6" name="TextBox 5">
+            <a:extLst>
+              <a:ext uri="{FF2B5EF4-FFF2-40B4-BE49-F238E27FC236}">
+                <a16:creationId xmlns:a16="http://schemas.microsoft.com/office/drawing/2014/main" id="{C3CB26C8-CC8A-4F7E-A342-8FEE46B1F0F5}"/>
+              </a:ext>
+            </a:extLst>
+          </p:cNvPr>
+          <p:cNvSpPr txBox="1"/>
+          <p:nvPr/>
+        </p:nvSpPr>
+        <p:spPr>
+          <a:xfrm>
+            <a:off x="3902130" y="4057388"/>
+            <a:ext cx="6094602" cy="369332"/>
+          </a:xfrm>
+          <a:prstGeom prst="rect">
+            <a:avLst/>
+          </a:prstGeom>
+          <a:noFill/>
+        </p:spPr>
+        <p:txBody>
+          <a:bodyPr wrap="square">
+            <a:spAutoFit/>
+          </a:bodyPr>
+          <a:lstStyle/>
+          <a:p>
+            <a:r>
+              <a:rPr lang="nl-NL" dirty="0"/>
+              <a:t>Foodnetwork.com, Epicurious.com,  Allrecipes.com</a:t>
+            </a:r>
+          </a:p>
+        </p:txBody>
+      </p:sp>
+      <p:pic>
+        <p:nvPicPr>
+          <p:cNvPr id="7" name="Afbeelding 4">
+            <a:extLst>
+              <a:ext uri="{FF2B5EF4-FFF2-40B4-BE49-F238E27FC236}">
+                <a16:creationId xmlns:a16="http://schemas.microsoft.com/office/drawing/2014/main" id="{839F3FA7-75E2-4FE8-93C6-D859C834D761}"/>
+              </a:ext>
+            </a:extLst>
+          </p:cNvPr>
+          <p:cNvPicPr>
+            <a:picLocks noChangeAspect="1"/>
+          </p:cNvPicPr>
+          <p:nvPr/>
+        </p:nvPicPr>
+        <p:blipFill>
+          <a:blip r:embed="rId2"/>
+          <a:stretch>
+            <a:fillRect/>
+          </a:stretch>
+        </p:blipFill>
+        <p:spPr>
+          <a:xfrm>
+            <a:off x="3070506" y="4498107"/>
+            <a:ext cx="7757850" cy="1414030"/>
+          </a:xfrm>
+          <a:prstGeom prst="rect">
+            <a:avLst/>
+          </a:prstGeom>
+        </p:spPr>
+      </p:pic>
     </p:spTree>
     <p:extLst>
       <p:ext uri="{BB962C8B-B14F-4D97-AF65-F5344CB8AC3E}">
@@ -7584,10 +8035,10 @@
       </p:grpSpPr>
       <p:sp>
         <p:nvSpPr>
-          <p:cNvPr id="2" name="Titel 1">
+          <p:cNvPr id="2" name="Title 1">
             <a:extLst>
               <a:ext uri="{FF2B5EF4-FFF2-40B4-BE49-F238E27FC236}">
-                <a16:creationId xmlns:a16="http://schemas.microsoft.com/office/drawing/2014/main" id="{3B80D135-7C0B-42C9-B9CF-18F4F2BFA809}"/>
+                <a16:creationId xmlns:a16="http://schemas.microsoft.com/office/drawing/2014/main" id="{2BCA5C7E-C65A-47E3-88D3-3114B65B5400}"/>
               </a:ext>
             </a:extLst>
           </p:cNvPr>
@@ -7604,22 +8055,18 @@
           <a:lstStyle/>
           <a:p>
             <a:r>
-              <a:rPr lang="nl-NL" dirty="0" err="1"/>
-              <a:t>Results</a:t>
-            </a:r>
-            <a:br>
-              <a:rPr lang="nl-NL" dirty="0"/>
-            </a:br>
-            <a:endParaRPr lang="nl-NL" dirty="0"/>
+              <a:rPr lang="en-US" dirty="0"/>
+              <a:t>And I tried it!</a:t>
+            </a:r>
           </a:p>
         </p:txBody>
       </p:sp>
       <p:sp>
         <p:nvSpPr>
-          <p:cNvPr id="3" name="Tijdelijke aanduiding voor inhoud 2">
+          <p:cNvPr id="3" name="Content Placeholder 2">
             <a:extLst>
               <a:ext uri="{FF2B5EF4-FFF2-40B4-BE49-F238E27FC236}">
-                <a16:creationId xmlns:a16="http://schemas.microsoft.com/office/drawing/2014/main" id="{F734A710-AFA2-4D65-A458-F0154809284F}"/>
+                <a16:creationId xmlns:a16="http://schemas.microsoft.com/office/drawing/2014/main" id="{A9C03ED2-7D43-4F4A-8E2C-BAC43EFCCB73}"/>
               </a:ext>
             </a:extLst>
           </p:cNvPr>
@@ -7630,32 +8077,66 @@
             <p:ph idx="1"/>
           </p:nvPr>
         </p:nvSpPr>
-        <p:spPr>
-          <a:xfrm>
-            <a:off x="1251678" y="2047010"/>
-            <a:ext cx="10178322" cy="3593591"/>
-          </a:xfrm>
-        </p:spPr>
+        <p:spPr/>
         <p:txBody>
           <a:bodyPr/>
           <a:lstStyle/>
           <a:p>
-            <a:r>
-              <a:rPr lang="en-GB" dirty="0"/>
-              <a:t>Example of GPT-2 model generated recipe:</a:t>
-            </a:r>
-          </a:p>
-          <a:p>
-            <a:endParaRPr lang="nl-NL" dirty="0"/>
+            <a:endParaRPr lang="en-US"/>
+          </a:p>
+        </p:txBody>
+      </p:sp>
+      <p:sp>
+        <p:nvSpPr>
+          <p:cNvPr id="4" name="AutoShape 2">
+            <a:extLst>
+              <a:ext uri="{FF2B5EF4-FFF2-40B4-BE49-F238E27FC236}">
+                <a16:creationId xmlns:a16="http://schemas.microsoft.com/office/drawing/2014/main" id="{CFB0BE9C-93D7-4173-BDE7-A715A1DF17B9}"/>
+              </a:ext>
+            </a:extLst>
+          </p:cNvPr>
+          <p:cNvSpPr>
+            <a:spLocks noChangeAspect="1" noChangeArrowheads="1"/>
+          </p:cNvSpPr>
+          <p:nvPr/>
+        </p:nvSpPr>
+        <p:spPr bwMode="auto">
+          <a:xfrm>
+            <a:off x="5943600" y="3276600"/>
+            <a:ext cx="304800" cy="304800"/>
+          </a:xfrm>
+          <a:prstGeom prst="rect">
+            <a:avLst/>
+          </a:prstGeom>
+          <a:noFill/>
+          <a:extLst>
+            <a:ext uri="{909E8E84-426E-40DD-AFC4-6F175D3DCCD1}">
+              <a14:hiddenFill xmlns:a14="http://schemas.microsoft.com/office/drawing/2010/main">
+                <a:solidFill>
+                  <a:srgbClr val="FFFFFF"/>
+                </a:solidFill>
+              </a14:hiddenFill>
+            </a:ext>
+          </a:extLst>
+        </p:spPr>
+        <p:txBody>
+          <a:bodyPr vert="horz" wrap="square" lIns="91440" tIns="45720" rIns="91440" bIns="45720" numCol="1" anchor="t" anchorCtr="0" compatLnSpc="1">
+            <a:prstTxWarp prst="textNoShape">
+              <a:avLst/>
+            </a:prstTxWarp>
+          </a:bodyPr>
+          <a:lstStyle/>
+          <a:p>
+            <a:endParaRPr lang="en-US"/>
           </a:p>
         </p:txBody>
       </p:sp>
       <p:pic>
         <p:nvPicPr>
-          <p:cNvPr id="8" name="Afbeelding 7">
+          <p:cNvPr id="5" name="Picture 4">
             <a:extLst>
               <a:ext uri="{FF2B5EF4-FFF2-40B4-BE49-F238E27FC236}">
-                <a16:creationId xmlns:a16="http://schemas.microsoft.com/office/drawing/2014/main" id="{BB11F888-7B7E-4F37-B998-8624E76C9507}"/>
+                <a16:creationId xmlns:a16="http://schemas.microsoft.com/office/drawing/2014/main" id="{0197EE12-F609-493E-A1C4-810F34038ED5}"/>
               </a:ext>
             </a:extLst>
           </p:cNvPr>
@@ -7672,18 +8153,67 @@
         </p:blipFill>
         <p:spPr>
           <a:xfrm>
-            <a:off x="1251678" y="2572775"/>
-            <a:ext cx="8482445" cy="4285225"/>
+            <a:off x="0" y="1128451"/>
+            <a:ext cx="8201608" cy="4613405"/>
           </a:xfrm>
           <a:prstGeom prst="rect">
             <a:avLst/>
           </a:prstGeom>
         </p:spPr>
       </p:pic>
+      <p:sp>
+        <p:nvSpPr>
+          <p:cNvPr id="6" name="TextBox 5">
+            <a:extLst>
+              <a:ext uri="{FF2B5EF4-FFF2-40B4-BE49-F238E27FC236}">
+                <a16:creationId xmlns:a16="http://schemas.microsoft.com/office/drawing/2014/main" id="{ABC780C8-5766-459F-8687-61E53CDDAA24}"/>
+              </a:ext>
+            </a:extLst>
+          </p:cNvPr>
+          <p:cNvSpPr txBox="1"/>
+          <p:nvPr/>
+        </p:nvSpPr>
+        <p:spPr>
+          <a:xfrm>
+            <a:off x="8201608" y="1085672"/>
+            <a:ext cx="4264090" cy="707886"/>
+          </a:xfrm>
+          <a:prstGeom prst="rect">
+            <a:avLst/>
+          </a:prstGeom>
+          <a:noFill/>
+        </p:spPr>
+        <p:txBody>
+          <a:bodyPr wrap="square" rtlCol="0">
+            <a:spAutoFit/>
+          </a:bodyPr>
+          <a:lstStyle/>
+          <a:p>
+            <a:pPr marL="285750" indent="-285750">
+              <a:buFont typeface="Arial" panose="020B0604020202020204" pitchFamily="34" charset="0"/>
+              <a:buChar char="•"/>
+            </a:pPr>
+            <a:r>
+              <a:rPr lang="en-US" sz="2000" dirty="0"/>
+              <a:t>Boiling Spaghetti in the oven</a:t>
+            </a:r>
+          </a:p>
+          <a:p>
+            <a:pPr marL="285750" indent="-285750">
+              <a:buFont typeface="Arial" panose="020B0604020202020204" pitchFamily="34" charset="0"/>
+              <a:buChar char="•"/>
+            </a:pPr>
+            <a:r>
+              <a:rPr lang="en-US" sz="2000" dirty="0"/>
+              <a:t>It was good!</a:t>
+            </a:r>
+          </a:p>
+        </p:txBody>
+      </p:sp>
     </p:spTree>
     <p:extLst>
       <p:ext uri="{BB962C8B-B14F-4D97-AF65-F5344CB8AC3E}">
-        <p14:creationId xmlns:p14="http://schemas.microsoft.com/office/powerpoint/2010/main" val="2762963101"/>
+        <p14:creationId xmlns:p14="http://schemas.microsoft.com/office/powerpoint/2010/main" val="2627378406"/>
       </p:ext>
     </p:extLst>
   </p:cSld>
@@ -7732,10 +8262,9 @@
           <a:lstStyle/>
           <a:p>
             <a:r>
-              <a:rPr lang="nl-NL" dirty="0" err="1"/>
+              <a:rPr lang="nl-NL" dirty="0"/>
               <a:t>Results</a:t>
             </a:r>
-            <a:endParaRPr lang="nl-NL" dirty="0"/>
           </a:p>
         </p:txBody>
       </p:sp>
@@ -7755,22 +8284,960 @@
             <p:ph idx="1"/>
           </p:nvPr>
         </p:nvSpPr>
-        <p:spPr/>
+        <p:spPr>
+          <a:xfrm>
+            <a:off x="372118" y="1308395"/>
+            <a:ext cx="10178322" cy="3593591"/>
+          </a:xfrm>
+        </p:spPr>
         <p:txBody>
           <a:bodyPr/>
           <a:lstStyle/>
           <a:p>
             <a:r>
               <a:rPr lang="en-GB" dirty="0"/>
-              <a:t>Results of the custom model</a:t>
-            </a:r>
-          </a:p>
-          <a:p>
-            <a:r>
-              <a:rPr lang="en-GB" dirty="0"/>
-              <a:t>How to know if the model is performing well</a:t>
+              <a:t>GPT-2 Recipe:</a:t>
             </a:r>
             <a:endParaRPr lang="nl-NL" dirty="0"/>
+          </a:p>
+        </p:txBody>
+      </p:sp>
+      <p:graphicFrame>
+        <p:nvGraphicFramePr>
+          <p:cNvPr id="4" name="Table 4">
+            <a:extLst>
+              <a:ext uri="{FF2B5EF4-FFF2-40B4-BE49-F238E27FC236}">
+                <a16:creationId xmlns:a16="http://schemas.microsoft.com/office/drawing/2014/main" id="{857CAF2B-6A60-4AA1-A7ED-1FC2D590054D}"/>
+              </a:ext>
+            </a:extLst>
+          </p:cNvPr>
+          <p:cNvGraphicFramePr>
+            <a:graphicFrameLocks noGrp="1"/>
+          </p:cNvGraphicFramePr>
+          <p:nvPr>
+            <p:extLst>
+              <p:ext uri="{D42A27DB-BD31-4B8C-83A1-F6EECF244321}">
+                <p14:modId xmlns:p14="http://schemas.microsoft.com/office/powerpoint/2010/main" val="1595325391"/>
+              </p:ext>
+            </p:extLst>
+          </p:nvPr>
+        </p:nvGraphicFramePr>
+        <p:xfrm>
+          <a:off x="161155" y="1779237"/>
+          <a:ext cx="5367190" cy="2926080"/>
+        </p:xfrm>
+        <a:graphic>
+          <a:graphicData uri="http://schemas.openxmlformats.org/drawingml/2006/table">
+            <a:tbl>
+              <a:tblPr firstRow="1" bandRow="1">
+                <a:tableStyleId>{5C22544A-7EE6-4342-B048-85BDC9FD1C3A}</a:tableStyleId>
+              </a:tblPr>
+              <a:tblGrid>
+                <a:gridCol w="1330954">
+                  <a:extLst>
+                    <a:ext uri="{9D8B030D-6E8A-4147-A177-3AD203B41FA5}">
+                      <a16:colId xmlns:a16="http://schemas.microsoft.com/office/drawing/2014/main" val="4077153602"/>
+                    </a:ext>
+                  </a:extLst>
+                </a:gridCol>
+                <a:gridCol w="4036236">
+                  <a:extLst>
+                    <a:ext uri="{9D8B030D-6E8A-4147-A177-3AD203B41FA5}">
+                      <a16:colId xmlns:a16="http://schemas.microsoft.com/office/drawing/2014/main" val="3161251388"/>
+                    </a:ext>
+                  </a:extLst>
+                </a:gridCol>
+              </a:tblGrid>
+              <a:tr h="321831">
+                <a:tc>
+                  <a:txBody>
+                    <a:bodyPr/>
+                    <a:lstStyle/>
+                    <a:p>
+                      <a:r>
+                        <a:rPr lang="en-US" dirty="0"/>
+                        <a:t>Input</a:t>
+                      </a:r>
+                    </a:p>
+                  </a:txBody>
+                  <a:tcPr/>
+                </a:tc>
+                <a:tc>
+                  <a:txBody>
+                    <a:bodyPr/>
+                    <a:lstStyle/>
+                    <a:p>
+                      <a:r>
+                        <a:rPr lang="en-US" dirty="0"/>
+                        <a:t>Output</a:t>
+                      </a:r>
+                    </a:p>
+                  </a:txBody>
+                  <a:tcPr/>
+                </a:tc>
+                <a:extLst>
+                  <a:ext uri="{0D108BD9-81ED-4DB2-BD59-A6C34878D82A}">
+                    <a16:rowId xmlns:a16="http://schemas.microsoft.com/office/drawing/2014/main" val="3334305016"/>
+                  </a:ext>
+                </a:extLst>
+              </a:tr>
+              <a:tr h="2252818">
+                <a:tc>
+                  <a:txBody>
+                    <a:bodyPr/>
+                    <a:lstStyle/>
+                    <a:p>
+                      <a:r>
+                        <a:rPr lang="en-US" sz="1800" b="0" i="1" u="none" strike="noStrike" kern="1200" baseline="0" dirty="0">
+                          <a:solidFill>
+                            <a:schemeClr val="dk1"/>
+                          </a:solidFill>
+                          <a:latin typeface="+mn-lt"/>
+                          <a:ea typeface="+mn-ea"/>
+                          <a:cs typeface="+mn-cs"/>
+                        </a:rPr>
+                        <a:t>Bake 5 eggs. Add</a:t>
+                      </a:r>
+                    </a:p>
+                    <a:p>
+                      <a:r>
+                        <a:rPr lang="en-US" sz="1800" b="0" i="1" u="none" strike="noStrike" kern="1200" baseline="0" dirty="0">
+                          <a:solidFill>
+                            <a:schemeClr val="dk1"/>
+                          </a:solidFill>
+                          <a:latin typeface="+mn-lt"/>
+                          <a:ea typeface="+mn-ea"/>
+                          <a:cs typeface="+mn-cs"/>
+                        </a:rPr>
+                        <a:t>them to the tomatoes.</a:t>
+                      </a:r>
+                    </a:p>
+                    <a:p>
+                      <a:r>
+                        <a:rPr lang="en-US" sz="1800" b="0" i="1" u="none" strike="noStrike" kern="1200" baseline="0" dirty="0">
+                          <a:solidFill>
+                            <a:schemeClr val="dk1"/>
+                          </a:solidFill>
+                          <a:latin typeface="+mn-lt"/>
+                          <a:ea typeface="+mn-ea"/>
+                          <a:cs typeface="+mn-cs"/>
+                        </a:rPr>
+                        <a:t>Boil the pasta.</a:t>
+                      </a:r>
+                      <a:endParaRPr lang="en-US" dirty="0"/>
+                    </a:p>
+                  </a:txBody>
+                  <a:tcPr/>
+                </a:tc>
+                <a:tc>
+                  <a:txBody>
+                    <a:bodyPr/>
+                    <a:lstStyle/>
+                    <a:p>
+                      <a:r>
+                        <a:rPr lang="en-US" sz="1800" b="0" i="1" u="none" strike="noStrike" kern="1200" baseline="0" dirty="0">
+                          <a:solidFill>
+                            <a:schemeClr val="dk1"/>
+                          </a:solidFill>
+                          <a:latin typeface="+mn-lt"/>
+                          <a:ea typeface="+mn-ea"/>
+                          <a:cs typeface="+mn-cs"/>
+                        </a:rPr>
+                        <a:t>Bake 5 eggs. Add them to the tomatoes.</a:t>
+                      </a:r>
+                    </a:p>
+                    <a:p>
+                      <a:r>
+                        <a:rPr lang="en-US" sz="1800" b="0" i="1" u="none" strike="noStrike" kern="1200" baseline="0" dirty="0">
+                          <a:solidFill>
+                            <a:schemeClr val="dk1"/>
+                          </a:solidFill>
+                          <a:latin typeface="+mn-lt"/>
+                          <a:ea typeface="+mn-ea"/>
+                          <a:cs typeface="+mn-cs"/>
+                        </a:rPr>
+                        <a:t>Boil the pasta. Cover for 6 and set out on a</a:t>
+                      </a:r>
+                    </a:p>
+                    <a:p>
+                      <a:r>
+                        <a:rPr lang="en-US" sz="1800" b="0" i="1" u="none" strike="noStrike" kern="1200" baseline="0" dirty="0">
+                          <a:solidFill>
+                            <a:schemeClr val="dk1"/>
+                          </a:solidFill>
+                          <a:latin typeface="+mn-lt"/>
+                          <a:ea typeface="+mn-ea"/>
+                          <a:cs typeface="+mn-cs"/>
+                        </a:rPr>
+                        <a:t>large plate and serve as your usual dessert</a:t>
+                      </a:r>
+                    </a:p>
+                    <a:p>
+                      <a:r>
+                        <a:rPr lang="en-US" sz="1800" b="0" i="1" u="none" strike="noStrike" kern="1200" baseline="0" dirty="0">
+                          <a:solidFill>
+                            <a:schemeClr val="dk1"/>
+                          </a:solidFill>
+                          <a:latin typeface="+mn-lt"/>
+                          <a:ea typeface="+mn-ea"/>
+                          <a:cs typeface="+mn-cs"/>
+                        </a:rPr>
+                        <a:t>– or, to reheats! – the sauce may work, it's</a:t>
+                      </a:r>
+                    </a:p>
+                    <a:p>
+                      <a:r>
+                        <a:rPr lang="en-US" sz="1800" b="0" i="1" u="none" strike="noStrike" kern="1200" baseline="0" dirty="0">
+                          <a:solidFill>
+                            <a:schemeClr val="dk1"/>
+                          </a:solidFill>
+                          <a:latin typeface="+mn-lt"/>
+                          <a:ea typeface="+mn-ea"/>
+                          <a:cs typeface="+mn-cs"/>
+                        </a:rPr>
+                        <a:t>more complex on me. Try a bit too long a</a:t>
+                      </a:r>
+                    </a:p>
+                    <a:p>
+                      <a:r>
+                        <a:rPr lang="en-US" sz="1800" b="0" i="1" u="none" strike="noStrike" kern="1200" baseline="0" dirty="0">
+                          <a:solidFill>
+                            <a:schemeClr val="dk1"/>
+                          </a:solidFill>
+                          <a:latin typeface="+mn-lt"/>
+                          <a:ea typeface="+mn-ea"/>
+                          <a:cs typeface="+mn-cs"/>
+                        </a:rPr>
+                        <a:t>way for your tastes or to try the </a:t>
+                      </a:r>
+                      <a:r>
+                        <a:rPr lang="en-US" sz="1800" b="0" i="1" u="none" strike="noStrike" kern="1200" baseline="0" dirty="0" err="1">
+                          <a:solidFill>
+                            <a:schemeClr val="dk1"/>
+                          </a:solidFill>
+                          <a:latin typeface="+mn-lt"/>
+                          <a:ea typeface="+mn-ea"/>
+                          <a:cs typeface="+mn-cs"/>
+                        </a:rPr>
+                        <a:t>flavours</a:t>
+                      </a:r>
+                      <a:r>
+                        <a:rPr lang="en-US" sz="1800" b="0" i="1" u="none" strike="noStrike" kern="1200" baseline="0" dirty="0">
+                          <a:solidFill>
+                            <a:schemeClr val="dk1"/>
+                          </a:solidFill>
+                          <a:latin typeface="+mn-lt"/>
+                          <a:ea typeface="+mn-ea"/>
+                          <a:cs typeface="+mn-cs"/>
+                        </a:rPr>
+                        <a:t> at</a:t>
+                      </a:r>
+                    </a:p>
+                    <a:p>
+                      <a:r>
+                        <a:rPr lang="en-US" sz="1800" b="0" i="1" u="none" strike="noStrike" kern="1200" baseline="0" dirty="0">
+                          <a:solidFill>
+                            <a:schemeClr val="dk1"/>
+                          </a:solidFill>
+                          <a:latin typeface="+mn-lt"/>
+                          <a:ea typeface="+mn-ea"/>
+                          <a:cs typeface="+mn-cs"/>
+                        </a:rPr>
+                        <a:t>any level: if you think a bite looks a little</a:t>
+                      </a:r>
+                    </a:p>
+                    <a:p>
+                      <a:r>
+                        <a:rPr lang="en-US" sz="1800" b="0" i="1" u="none" strike="noStrike" kern="1200" baseline="0" dirty="0">
+                          <a:solidFill>
+                            <a:schemeClr val="dk1"/>
+                          </a:solidFill>
+                          <a:latin typeface="+mn-lt"/>
+                          <a:ea typeface="+mn-ea"/>
+                          <a:cs typeface="+mn-cs"/>
+                        </a:rPr>
+                        <a:t>boring try just going with your nose, which</a:t>
+                      </a:r>
+                    </a:p>
+                    <a:p>
+                      <a:r>
+                        <a:rPr lang="en-US" sz="1800" b="0" i="1" u="none" strike="noStrike" kern="1200" baseline="0" dirty="0">
+                          <a:solidFill>
+                            <a:schemeClr val="dk1"/>
+                          </a:solidFill>
+                          <a:latin typeface="+mn-lt"/>
+                          <a:ea typeface="+mn-ea"/>
+                          <a:cs typeface="+mn-cs"/>
+                        </a:rPr>
+                        <a:t>has your heart so set up you will find that</a:t>
+                      </a:r>
+                    </a:p>
+                  </a:txBody>
+                  <a:tcPr/>
+                </a:tc>
+                <a:extLst>
+                  <a:ext uri="{0D108BD9-81ED-4DB2-BD59-A6C34878D82A}">
+                    <a16:rowId xmlns:a16="http://schemas.microsoft.com/office/drawing/2014/main" val="317458021"/>
+                  </a:ext>
+                </a:extLst>
+              </a:tr>
+            </a:tbl>
+          </a:graphicData>
+        </a:graphic>
+      </p:graphicFrame>
+      <p:sp>
+        <p:nvSpPr>
+          <p:cNvPr id="6" name="TextBox 5">
+            <a:extLst>
+              <a:ext uri="{FF2B5EF4-FFF2-40B4-BE49-F238E27FC236}">
+                <a16:creationId xmlns:a16="http://schemas.microsoft.com/office/drawing/2014/main" id="{A01D4809-241C-446C-AC50-B98DA2A7C9DA}"/>
+              </a:ext>
+            </a:extLst>
+          </p:cNvPr>
+          <p:cNvSpPr txBox="1"/>
+          <p:nvPr/>
+        </p:nvSpPr>
+        <p:spPr>
+          <a:xfrm>
+            <a:off x="5812386" y="1308395"/>
+            <a:ext cx="3003258" cy="369332"/>
+          </a:xfrm>
+          <a:prstGeom prst="rect">
+            <a:avLst/>
+          </a:prstGeom>
+          <a:noFill/>
+        </p:spPr>
+        <p:txBody>
+          <a:bodyPr wrap="square" rtlCol="0">
+            <a:spAutoFit/>
+          </a:bodyPr>
+          <a:lstStyle/>
+          <a:p>
+            <a:r>
+              <a:rPr lang="en-US" dirty="0">
+                <a:solidFill>
+                  <a:schemeClr val="tx1">
+                    <a:lumMod val="65000"/>
+                    <a:lumOff val="35000"/>
+                  </a:schemeClr>
+                </a:solidFill>
+              </a:rPr>
+              <a:t>NLPChef Recipe:</a:t>
+            </a:r>
+          </a:p>
+        </p:txBody>
+      </p:sp>
+      <p:graphicFrame>
+        <p:nvGraphicFramePr>
+          <p:cNvPr id="7" name="Table 7">
+            <a:extLst>
+              <a:ext uri="{FF2B5EF4-FFF2-40B4-BE49-F238E27FC236}">
+                <a16:creationId xmlns:a16="http://schemas.microsoft.com/office/drawing/2014/main" id="{D5F33A8C-CFE7-4258-8A5E-65DC65015FC6}"/>
+              </a:ext>
+            </a:extLst>
+          </p:cNvPr>
+          <p:cNvGraphicFramePr>
+            <a:graphicFrameLocks noGrp="1"/>
+          </p:cNvGraphicFramePr>
+          <p:nvPr>
+            <p:extLst>
+              <p:ext uri="{D42A27DB-BD31-4B8C-83A1-F6EECF244321}">
+                <p14:modId xmlns:p14="http://schemas.microsoft.com/office/powerpoint/2010/main" val="3822232320"/>
+              </p:ext>
+            </p:extLst>
+          </p:nvPr>
+        </p:nvGraphicFramePr>
+        <p:xfrm>
+          <a:off x="5739308" y="1168078"/>
+          <a:ext cx="6137732" cy="5689922"/>
+        </p:xfrm>
+        <a:graphic>
+          <a:graphicData uri="http://schemas.openxmlformats.org/drawingml/2006/table">
+            <a:tbl>
+              <a:tblPr firstRow="1" bandRow="1">
+                <a:tableStyleId>{5C22544A-7EE6-4342-B048-85BDC9FD1C3A}</a:tableStyleId>
+              </a:tblPr>
+              <a:tblGrid>
+                <a:gridCol w="2277444">
+                  <a:extLst>
+                    <a:ext uri="{9D8B030D-6E8A-4147-A177-3AD203B41FA5}">
+                      <a16:colId xmlns:a16="http://schemas.microsoft.com/office/drawing/2014/main" val="3671673153"/>
+                    </a:ext>
+                  </a:extLst>
+                </a:gridCol>
+                <a:gridCol w="3860288">
+                  <a:extLst>
+                    <a:ext uri="{9D8B030D-6E8A-4147-A177-3AD203B41FA5}">
+                      <a16:colId xmlns:a16="http://schemas.microsoft.com/office/drawing/2014/main" val="1168634769"/>
+                    </a:ext>
+                  </a:extLst>
+                </a:gridCol>
+              </a:tblGrid>
+              <a:tr h="365798">
+                <a:tc>
+                  <a:txBody>
+                    <a:bodyPr/>
+                    <a:lstStyle/>
+                    <a:p>
+                      <a:r>
+                        <a:rPr lang="en-US" dirty="0"/>
+                        <a:t>Input</a:t>
+                      </a:r>
+                    </a:p>
+                  </a:txBody>
+                  <a:tcPr/>
+                </a:tc>
+                <a:tc>
+                  <a:txBody>
+                    <a:bodyPr/>
+                    <a:lstStyle/>
+                    <a:p>
+                      <a:r>
+                        <a:rPr lang="en-US" dirty="0"/>
+                        <a:t>Output</a:t>
+                      </a:r>
+                    </a:p>
+                  </a:txBody>
+                  <a:tcPr/>
+                </a:tc>
+                <a:extLst>
+                  <a:ext uri="{0D108BD9-81ED-4DB2-BD59-A6C34878D82A}">
+                    <a16:rowId xmlns:a16="http://schemas.microsoft.com/office/drawing/2014/main" val="2557696956"/>
+                  </a:ext>
+                </a:extLst>
+              </a:tr>
+              <a:tr h="5324124">
+                <a:tc>
+                  <a:txBody>
+                    <a:bodyPr/>
+                    <a:lstStyle/>
+                    <a:p>
+                      <a:r>
+                        <a:rPr lang="en-US" sz="1800" b="0" i="1" u="none" strike="noStrike" kern="1200" baseline="0" dirty="0">
+                          <a:solidFill>
+                            <a:schemeClr val="dk1"/>
+                          </a:solidFill>
+                          <a:latin typeface="+mn-lt"/>
+                          <a:ea typeface="+mn-ea"/>
+                          <a:cs typeface="+mn-cs"/>
+                        </a:rPr>
+                        <a:t>Ingredients:</a:t>
+                      </a:r>
+                    </a:p>
+                    <a:p>
+                      <a:r>
+                        <a:rPr lang="en-US" sz="1800" b="0" i="1" u="none" strike="noStrike" kern="1200" baseline="0" dirty="0">
+                          <a:solidFill>
+                            <a:schemeClr val="dk1"/>
+                          </a:solidFill>
+                          <a:latin typeface="+mn-lt"/>
+                          <a:ea typeface="+mn-ea"/>
+                          <a:cs typeface="+mn-cs"/>
+                        </a:rPr>
+                        <a:t>1/4 cup oil</a:t>
+                      </a:r>
+                    </a:p>
+                    <a:p>
+                      <a:r>
+                        <a:rPr lang="en-US" sz="1800" b="0" i="1" u="none" strike="noStrike" kern="1200" baseline="0" dirty="0">
+                          <a:solidFill>
+                            <a:schemeClr val="dk1"/>
+                          </a:solidFill>
+                          <a:latin typeface="+mn-lt"/>
+                          <a:ea typeface="+mn-ea"/>
+                          <a:cs typeface="+mn-cs"/>
+                        </a:rPr>
+                        <a:t>6 medium onions,</a:t>
+                      </a:r>
+                    </a:p>
+                    <a:p>
+                      <a:r>
+                        <a:rPr lang="en-US" sz="1800" b="0" i="1" u="none" strike="noStrike" kern="1200" baseline="0" dirty="0">
+                          <a:solidFill>
+                            <a:schemeClr val="dk1"/>
+                          </a:solidFill>
+                          <a:latin typeface="+mn-lt"/>
+                          <a:ea typeface="+mn-ea"/>
+                          <a:cs typeface="+mn-cs"/>
+                        </a:rPr>
+                        <a:t>chopped</a:t>
+                      </a:r>
+                    </a:p>
+                    <a:p>
+                      <a:r>
+                        <a:rPr lang="en-US" sz="1800" b="0" i="1" u="none" strike="noStrike" kern="1200" baseline="0" dirty="0">
+                          <a:solidFill>
+                            <a:schemeClr val="dk1"/>
+                          </a:solidFill>
+                          <a:latin typeface="+mn-lt"/>
+                          <a:ea typeface="+mn-ea"/>
+                          <a:cs typeface="+mn-cs"/>
+                        </a:rPr>
+                        <a:t>4 bell peppers,</a:t>
+                      </a:r>
+                    </a:p>
+                    <a:p>
+                      <a:r>
+                        <a:rPr lang="en-US" sz="1800" b="0" i="1" u="none" strike="noStrike" kern="1200" baseline="0" dirty="0">
+                          <a:solidFill>
+                            <a:schemeClr val="dk1"/>
+                          </a:solidFill>
+                          <a:latin typeface="+mn-lt"/>
+                          <a:ea typeface="+mn-ea"/>
+                          <a:cs typeface="+mn-cs"/>
+                        </a:rPr>
+                        <a:t>chopped</a:t>
+                      </a:r>
+                    </a:p>
+                    <a:p>
+                      <a:r>
+                        <a:rPr lang="en-US" sz="1800" b="0" i="1" u="none" strike="noStrike" kern="1200" baseline="0" dirty="0">
+                          <a:solidFill>
+                            <a:schemeClr val="dk1"/>
+                          </a:solidFill>
+                          <a:latin typeface="+mn-lt"/>
+                          <a:ea typeface="+mn-ea"/>
+                          <a:cs typeface="+mn-cs"/>
+                        </a:rPr>
+                        <a:t>3 carrots, chopped</a:t>
+                      </a:r>
+                    </a:p>
+                    <a:p>
+                      <a:r>
+                        <a:rPr lang="en-US" sz="1800" b="0" i="1" u="none" strike="noStrike" kern="1200" baseline="0" dirty="0">
+                          <a:solidFill>
+                            <a:schemeClr val="dk1"/>
+                          </a:solidFill>
+                          <a:latin typeface="+mn-lt"/>
+                          <a:ea typeface="+mn-ea"/>
+                          <a:cs typeface="+mn-cs"/>
+                        </a:rPr>
+                        <a:t>1 cup string beans,</a:t>
+                      </a:r>
+                    </a:p>
+                    <a:p>
+                      <a:r>
+                        <a:rPr lang="en-US" sz="1800" b="0" i="1" u="none" strike="noStrike" kern="1200" baseline="0" dirty="0">
+                          <a:solidFill>
+                            <a:schemeClr val="dk1"/>
+                          </a:solidFill>
+                          <a:latin typeface="+mn-lt"/>
+                          <a:ea typeface="+mn-ea"/>
+                          <a:cs typeface="+mn-cs"/>
+                        </a:rPr>
+                        <a:t>broken into pieces</a:t>
+                      </a:r>
+                    </a:p>
+                    <a:p>
+                      <a:r>
+                        <a:rPr lang="en-US" sz="1800" b="0" i="1" u="none" strike="noStrike" kern="1200" baseline="0" dirty="0">
+                          <a:solidFill>
+                            <a:schemeClr val="dk1"/>
+                          </a:solidFill>
+                          <a:latin typeface="+mn-lt"/>
+                          <a:ea typeface="+mn-ea"/>
+                          <a:cs typeface="+mn-cs"/>
+                        </a:rPr>
+                        <a:t>3/4 cup peas</a:t>
+                      </a:r>
+                    </a:p>
+                    <a:p>
+                      <a:r>
+                        <a:rPr lang="en-US" sz="1800" b="0" i="1" u="none" strike="noStrike" kern="1200" baseline="0" dirty="0">
+                          <a:solidFill>
+                            <a:schemeClr val="dk1"/>
+                          </a:solidFill>
+                          <a:latin typeface="+mn-lt"/>
+                          <a:ea typeface="+mn-ea"/>
+                          <a:cs typeface="+mn-cs"/>
+                        </a:rPr>
+                        <a:t>6 tomatoes, chopped</a:t>
+                      </a:r>
+                    </a:p>
+                    <a:p>
+                      <a:r>
+                        <a:rPr lang="en-US" sz="1800" b="0" i="1" u="none" strike="noStrike" kern="1200" baseline="0" dirty="0">
+                          <a:solidFill>
+                            <a:schemeClr val="dk1"/>
+                          </a:solidFill>
+                          <a:latin typeface="+mn-lt"/>
+                          <a:ea typeface="+mn-ea"/>
+                          <a:cs typeface="+mn-cs"/>
+                        </a:rPr>
+                        <a:t>1/2 teaspoon black</a:t>
+                      </a:r>
+                    </a:p>
+                    <a:p>
+                      <a:r>
+                        <a:rPr lang="en-US" sz="1800" b="0" i="1" u="none" strike="noStrike" kern="1200" baseline="0" dirty="0">
+                          <a:solidFill>
+                            <a:schemeClr val="dk1"/>
+                          </a:solidFill>
+                          <a:latin typeface="+mn-lt"/>
+                          <a:ea typeface="+mn-ea"/>
+                          <a:cs typeface="+mn-cs"/>
+                        </a:rPr>
+                        <a:t>pepper</a:t>
+                      </a:r>
+                    </a:p>
+                    <a:p>
+                      <a:r>
+                        <a:rPr lang="en-US" sz="1800" b="0" i="1" u="none" strike="noStrike" kern="1200" baseline="0" dirty="0">
+                          <a:solidFill>
+                            <a:schemeClr val="dk1"/>
+                          </a:solidFill>
+                          <a:latin typeface="+mn-lt"/>
+                          <a:ea typeface="+mn-ea"/>
+                          <a:cs typeface="+mn-cs"/>
+                        </a:rPr>
+                        <a:t>1 teaspoon dried</a:t>
+                      </a:r>
+                    </a:p>
+                    <a:p>
+                      <a:r>
+                        <a:rPr lang="en-US" sz="1800" b="0" i="1" u="none" strike="noStrike" kern="1200" baseline="0" dirty="0">
+                          <a:solidFill>
+                            <a:schemeClr val="dk1"/>
+                          </a:solidFill>
+                          <a:latin typeface="+mn-lt"/>
+                          <a:ea typeface="+mn-ea"/>
+                          <a:cs typeface="+mn-cs"/>
+                        </a:rPr>
+                        <a:t>thyme</a:t>
+                      </a:r>
+                    </a:p>
+                    <a:p>
+                      <a:r>
+                        <a:rPr lang="en-US" sz="1800" b="0" i="1" u="none" strike="noStrike" kern="1200" baseline="0" dirty="0">
+                          <a:solidFill>
+                            <a:schemeClr val="dk1"/>
+                          </a:solidFill>
+                          <a:latin typeface="+mn-lt"/>
+                          <a:ea typeface="+mn-ea"/>
+                          <a:cs typeface="+mn-cs"/>
+                        </a:rPr>
+                        <a:t>4 cups medium grain</a:t>
+                      </a:r>
+                    </a:p>
+                    <a:p>
+                      <a:r>
+                        <a:rPr lang="en-US" sz="1800" b="0" i="1" u="none" strike="noStrike" kern="1200" baseline="0" dirty="0">
+                          <a:solidFill>
+                            <a:schemeClr val="dk1"/>
+                          </a:solidFill>
+                          <a:latin typeface="+mn-lt"/>
+                          <a:ea typeface="+mn-ea"/>
+                          <a:cs typeface="+mn-cs"/>
+                        </a:rPr>
+                        <a:t>brown rice, cooked</a:t>
+                      </a:r>
+                    </a:p>
+                    <a:p>
+                      <a:r>
+                        <a:rPr lang="en-US" sz="1800" b="0" i="1" u="none" strike="noStrike" kern="1200" baseline="0" dirty="0">
+                          <a:solidFill>
+                            <a:schemeClr val="dk1"/>
+                          </a:solidFill>
+                          <a:latin typeface="+mn-lt"/>
+                          <a:ea typeface="+mn-ea"/>
+                          <a:cs typeface="+mn-cs"/>
+                        </a:rPr>
+                        <a:t>(cold)</a:t>
+                      </a:r>
+                    </a:p>
+                    <a:p>
+                      <a:r>
+                        <a:rPr lang="en-US" sz="1800" b="0" i="1" u="none" strike="noStrike" kern="1200" baseline="0" dirty="0">
+                          <a:solidFill>
+                            <a:schemeClr val="dk1"/>
+                          </a:solidFill>
+                          <a:latin typeface="+mn-lt"/>
+                          <a:ea typeface="+mn-ea"/>
+                          <a:cs typeface="+mn-cs"/>
+                        </a:rPr>
+                        <a:t>1/2 cup tomato paste</a:t>
+                      </a:r>
+                      <a:endParaRPr lang="en-US" dirty="0"/>
+                    </a:p>
+                  </a:txBody>
+                  <a:tcPr/>
+                </a:tc>
+                <a:tc>
+                  <a:txBody>
+                    <a:bodyPr/>
+                    <a:lstStyle/>
+                    <a:p>
+                      <a:r>
+                        <a:rPr lang="en-US" sz="1800" b="0" i="1" u="none" strike="noStrike" kern="1200" baseline="0" dirty="0">
+                          <a:solidFill>
+                            <a:schemeClr val="dk1"/>
+                          </a:solidFill>
+                          <a:latin typeface="+mn-lt"/>
+                          <a:ea typeface="+mn-ea"/>
+                          <a:cs typeface="+mn-cs"/>
+                        </a:rPr>
+                        <a:t>Instructions: Cut 2 large onions, in half</a:t>
+                      </a:r>
+                    </a:p>
+                    <a:p>
+                      <a:r>
+                        <a:rPr lang="en-US" sz="1800" b="0" i="1" u="none" strike="noStrike" kern="1200" baseline="0" dirty="0">
+                          <a:solidFill>
+                            <a:schemeClr val="dk1"/>
+                          </a:solidFill>
+                          <a:latin typeface="+mn-lt"/>
+                          <a:ea typeface="+mn-ea"/>
+                          <a:cs typeface="+mn-cs"/>
+                        </a:rPr>
+                        <a:t>lengthwise and place them on a baking</a:t>
+                      </a:r>
+                    </a:p>
+                    <a:p>
+                      <a:r>
+                        <a:rPr lang="en-US" sz="1800" b="0" i="1" u="none" strike="noStrike" kern="1200" baseline="0" dirty="0">
+                          <a:solidFill>
+                            <a:schemeClr val="dk1"/>
+                          </a:solidFill>
+                          <a:latin typeface="+mn-lt"/>
+                          <a:ea typeface="+mn-ea"/>
+                          <a:cs typeface="+mn-cs"/>
+                        </a:rPr>
+                        <a:t>sheet. Cover with a plastic baking sheet.</a:t>
+                      </a:r>
+                    </a:p>
+                    <a:p>
+                      <a:r>
+                        <a:rPr lang="en-US" sz="1800" b="0" i="1" u="none" strike="noStrike" kern="1200" baseline="0" dirty="0">
+                          <a:solidFill>
+                            <a:schemeClr val="dk1"/>
+                          </a:solidFill>
+                          <a:latin typeface="+mn-lt"/>
+                          <a:ea typeface="+mn-ea"/>
+                          <a:cs typeface="+mn-cs"/>
+                        </a:rPr>
+                        <a:t>Let sit 30 minutes. Set aside. In a bowl,</a:t>
+                      </a:r>
+                    </a:p>
+                    <a:p>
+                      <a:r>
+                        <a:rPr lang="en-US" sz="1800" b="0" i="1" u="none" strike="noStrike" kern="1200" baseline="0" dirty="0">
+                          <a:solidFill>
+                            <a:schemeClr val="dk1"/>
+                          </a:solidFill>
+                          <a:latin typeface="+mn-lt"/>
+                          <a:ea typeface="+mn-ea"/>
+                          <a:cs typeface="+mn-cs"/>
+                        </a:rPr>
+                        <a:t>toss in the onion mixture. Add the</a:t>
+                      </a:r>
+                    </a:p>
+                    <a:p>
+                      <a:r>
+                        <a:rPr lang="en-US" sz="1800" b="0" i="1" u="none" strike="noStrike" kern="1200" baseline="0" dirty="0">
+                          <a:solidFill>
+                            <a:schemeClr val="dk1"/>
+                          </a:solidFill>
+                          <a:latin typeface="+mn-lt"/>
+                          <a:ea typeface="+mn-ea"/>
+                          <a:cs typeface="+mn-cs"/>
+                        </a:rPr>
+                        <a:t>rice and cook gently. Remove from heat,</a:t>
+                      </a:r>
+                    </a:p>
+                    <a:p>
+                      <a:r>
+                        <a:rPr lang="en-US" sz="1800" b="0" i="1" u="none" strike="noStrike" kern="1200" baseline="0" dirty="0">
+                          <a:solidFill>
+                            <a:schemeClr val="dk1"/>
+                          </a:solidFill>
+                          <a:latin typeface="+mn-lt"/>
+                          <a:ea typeface="+mn-ea"/>
+                          <a:cs typeface="+mn-cs"/>
+                        </a:rPr>
+                        <a:t>and then place rice on a lightly oiled</a:t>
+                      </a:r>
+                    </a:p>
+                    <a:p>
+                      <a:r>
+                        <a:rPr lang="en-US" sz="1800" b="0" i="1" u="none" strike="noStrike" kern="1200" baseline="0" dirty="0">
+                          <a:solidFill>
+                            <a:schemeClr val="dk1"/>
+                          </a:solidFill>
+                          <a:latin typeface="+mn-lt"/>
+                          <a:ea typeface="+mn-ea"/>
+                          <a:cs typeface="+mn-cs"/>
+                        </a:rPr>
+                        <a:t>baking sheet. Bake </a:t>
+                      </a:r>
+                      <a:r>
+                        <a:rPr lang="nb-NO" sz="1800" b="0" i="1" u="none" strike="noStrike" kern="1200" baseline="0" dirty="0">
+                          <a:solidFill>
+                            <a:schemeClr val="dk1"/>
+                          </a:solidFill>
+                          <a:latin typeface="+mn-lt"/>
+                          <a:ea typeface="+mn-ea"/>
+                          <a:cs typeface="+mn-cs"/>
+                        </a:rPr>
+                        <a:t>at 425 degrees for 10</a:t>
+                      </a:r>
+                    </a:p>
+                    <a:p>
+                      <a:r>
+                        <a:rPr lang="en-US" sz="1800" b="0" i="1" u="none" strike="noStrike" kern="1200" baseline="0" dirty="0">
+                          <a:solidFill>
+                            <a:schemeClr val="dk1"/>
+                          </a:solidFill>
+                          <a:latin typeface="+mn-lt"/>
+                          <a:ea typeface="+mn-ea"/>
+                          <a:cs typeface="+mn-cs"/>
+                        </a:rPr>
+                        <a:t>minutes, or until the top is golden brown.</a:t>
+                      </a:r>
+                    </a:p>
+                    <a:p>
+                      <a:r>
+                        <a:rPr lang="en-US" sz="1800" b="0" i="1" u="none" strike="noStrike" kern="1200" baseline="0" dirty="0">
+                          <a:solidFill>
+                            <a:schemeClr val="dk1"/>
+                          </a:solidFill>
+                          <a:latin typeface="+mn-lt"/>
+                          <a:ea typeface="+mn-ea"/>
+                          <a:cs typeface="+mn-cs"/>
+                        </a:rPr>
+                        <a:t>Remove from heat, and then place on</a:t>
+                      </a:r>
+                    </a:p>
+                    <a:p>
+                      <a:r>
+                        <a:rPr lang="en-US" sz="1800" b="0" i="1" u="none" strike="noStrike" kern="1200" baseline="0" dirty="0">
+                          <a:solidFill>
+                            <a:schemeClr val="dk1"/>
+                          </a:solidFill>
+                          <a:latin typeface="+mn-lt"/>
+                          <a:ea typeface="+mn-ea"/>
+                          <a:cs typeface="+mn-cs"/>
+                        </a:rPr>
+                        <a:t>serving platter. To serve, garnish the</a:t>
+                      </a:r>
+                    </a:p>
+                    <a:p>
+                      <a:r>
+                        <a:rPr lang="en-US" sz="1800" b="0" i="1" u="none" strike="noStrike" kern="1200" baseline="0" dirty="0">
+                          <a:solidFill>
+                            <a:schemeClr val="dk1"/>
+                          </a:solidFill>
+                          <a:latin typeface="+mn-lt"/>
+                          <a:ea typeface="+mn-ea"/>
+                          <a:cs typeface="+mn-cs"/>
+                        </a:rPr>
+                        <a:t>cooked rice with chopped parsley and</a:t>
+                      </a:r>
+                    </a:p>
+                    <a:p>
+                      <a:r>
+                        <a:rPr lang="en-US" sz="1800" b="0" i="1" u="none" strike="noStrike" kern="1200" baseline="0" dirty="0">
+                          <a:solidFill>
+                            <a:schemeClr val="dk1"/>
+                          </a:solidFill>
+                          <a:latin typeface="+mn-lt"/>
+                          <a:ea typeface="+mn-ea"/>
+                          <a:cs typeface="+mn-cs"/>
+                        </a:rPr>
+                        <a:t>chopped coriander. You can serve this</a:t>
+                      </a:r>
+                    </a:p>
+                    <a:p>
+                      <a:r>
+                        <a:rPr lang="en-US" sz="1800" b="0" i="1" u="none" strike="noStrike" kern="1200" baseline="0" dirty="0">
+                          <a:solidFill>
+                            <a:schemeClr val="dk1"/>
+                          </a:solidFill>
+                          <a:latin typeface="+mn-lt"/>
+                          <a:ea typeface="+mn-ea"/>
+                          <a:cs typeface="+mn-cs"/>
+                        </a:rPr>
+                        <a:t>appetizer on it's own or with other rice.</a:t>
+                      </a:r>
+                    </a:p>
+                    <a:p>
+                      <a:r>
+                        <a:rPr lang="en-US" sz="1800" b="0" i="1" u="none" strike="noStrike" kern="1200" baseline="0" dirty="0">
+                          <a:solidFill>
+                            <a:schemeClr val="dk1"/>
+                          </a:solidFill>
+                          <a:latin typeface="+mn-lt"/>
+                          <a:ea typeface="+mn-ea"/>
+                          <a:cs typeface="+mn-cs"/>
+                        </a:rPr>
+                        <a:t>Enjoy!</a:t>
+                      </a:r>
+                    </a:p>
+                    <a:p>
+                      <a:r>
+                        <a:rPr lang="en-US" sz="1800" b="0" i="1" u="none" strike="noStrike" kern="1200" baseline="0" dirty="0">
+                          <a:solidFill>
+                            <a:schemeClr val="dk1"/>
+                          </a:solidFill>
+                          <a:latin typeface="+mn-lt"/>
+                          <a:ea typeface="+mn-ea"/>
+                          <a:cs typeface="+mn-cs"/>
+                        </a:rPr>
+                        <a:t>Print Author: Baked Rice</a:t>
+                      </a:r>
+                      <a:endParaRPr lang="en-US" dirty="0"/>
+                    </a:p>
+                  </a:txBody>
+                  <a:tcPr/>
+                </a:tc>
+                <a:extLst>
+                  <a:ext uri="{0D108BD9-81ED-4DB2-BD59-A6C34878D82A}">
+                    <a16:rowId xmlns:a16="http://schemas.microsoft.com/office/drawing/2014/main" val="770437666"/>
+                  </a:ext>
+                </a:extLst>
+              </a:tr>
+            </a:tbl>
+          </a:graphicData>
+        </a:graphic>
+      </p:graphicFrame>
+      <p:sp>
+        <p:nvSpPr>
+          <p:cNvPr id="8" name="TextBox 7">
+            <a:extLst>
+              <a:ext uri="{FF2B5EF4-FFF2-40B4-BE49-F238E27FC236}">
+                <a16:creationId xmlns:a16="http://schemas.microsoft.com/office/drawing/2014/main" id="{9D37D2B8-61C1-449A-8E23-8230B98AF3A6}"/>
+              </a:ext>
+            </a:extLst>
+          </p:cNvPr>
+          <p:cNvSpPr txBox="1"/>
+          <p:nvPr/>
+        </p:nvSpPr>
+        <p:spPr>
+          <a:xfrm>
+            <a:off x="5739308" y="759119"/>
+            <a:ext cx="1827103" cy="369332"/>
+          </a:xfrm>
+          <a:prstGeom prst="rect">
+            <a:avLst/>
+          </a:prstGeom>
+          <a:noFill/>
+        </p:spPr>
+        <p:txBody>
+          <a:bodyPr wrap="none" rtlCol="0">
+            <a:spAutoFit/>
+          </a:bodyPr>
+          <a:lstStyle/>
+          <a:p>
+            <a:r>
+              <a:rPr lang="en-US" dirty="0">
+                <a:solidFill>
+                  <a:schemeClr val="tx1">
+                    <a:lumMod val="65000"/>
+                    <a:lumOff val="35000"/>
+                  </a:schemeClr>
+                </a:solidFill>
+              </a:rPr>
+              <a:t>NLPChef Recipe: </a:t>
+            </a:r>
           </a:p>
         </p:txBody>
       </p:sp>
@@ -7809,7 +9276,7 @@
           <p:cNvPr id="2" name="Titel 1">
             <a:extLst>
               <a:ext uri="{FF2B5EF4-FFF2-40B4-BE49-F238E27FC236}">
-                <a16:creationId xmlns:a16="http://schemas.microsoft.com/office/drawing/2014/main" id="{4166E0D6-2485-49DD-910A-A93D3048E4A4}"/>
+                <a16:creationId xmlns:a16="http://schemas.microsoft.com/office/drawing/2014/main" id="{41F68558-FF58-4081-A07F-85CB64DB8F02}"/>
               </a:ext>
             </a:extLst>
           </p:cNvPr>
@@ -7827,8 +9294,11 @@
           <a:p>
             <a:r>
               <a:rPr lang="en-GB" dirty="0"/>
-              <a:t>Conclusion</a:t>
-            </a:r>
+              <a:t>Results</a:t>
+            </a:r>
+            <a:br>
+              <a:rPr lang="en-GB" dirty="0"/>
+            </a:br>
             <a:endParaRPr lang="nl-NL" dirty="0"/>
           </a:p>
         </p:txBody>
@@ -7838,7 +9308,7 @@
           <p:cNvPr id="3" name="Tijdelijke aanduiding voor inhoud 2">
             <a:extLst>
               <a:ext uri="{FF2B5EF4-FFF2-40B4-BE49-F238E27FC236}">
-                <a16:creationId xmlns:a16="http://schemas.microsoft.com/office/drawing/2014/main" id="{D21A0736-74D0-4707-BF9D-D53E985CE0FA}"/>
+                <a16:creationId xmlns:a16="http://schemas.microsoft.com/office/drawing/2014/main" id="{7C57D791-84EC-4B63-A260-96837B3978DD}"/>
               </a:ext>
             </a:extLst>
           </p:cNvPr>
@@ -7855,64 +9325,68 @@
           <a:lstStyle/>
           <a:p>
             <a:r>
-              <a:rPr lang="en-GB" dirty="0"/>
-              <a:t>The GPT-model versus our custom model</a:t>
-            </a:r>
-          </a:p>
-          <a:p>
-            <a:r>
-              <a:rPr lang="en-GB" dirty="0"/>
-              <a:t>Could it create cookbooks?</a:t>
-            </a:r>
-          </a:p>
-          <a:p>
+              <a:rPr lang="nl-NL" dirty="0"/>
+              <a:t>GPT-</a:t>
+            </a:r>
+            <a:r>
+              <a:rPr lang="nl-NL" dirty="0" err="1"/>
+              <a:t>Recipe</a:t>
+            </a:r>
+            <a:r>
+              <a:rPr lang="nl-NL" dirty="0"/>
+              <a:t> </a:t>
+            </a:r>
+            <a:r>
+              <a:rPr lang="nl-NL" dirty="0" err="1"/>
+              <a:t>vs</a:t>
+            </a:r>
+            <a:r>
+              <a:rPr lang="nl-NL" dirty="0"/>
+              <a:t> </a:t>
+            </a:r>
+            <a:r>
+              <a:rPr lang="nl-NL" dirty="0" err="1"/>
+              <a:t>Custom</a:t>
+            </a:r>
+            <a:r>
+              <a:rPr lang="nl-NL" dirty="0"/>
+              <a:t> </a:t>
+            </a:r>
+            <a:r>
+              <a:rPr lang="nl-NL" dirty="0" err="1"/>
+              <a:t>Recipe</a:t>
+            </a:r>
             <a:endParaRPr lang="nl-NL" dirty="0"/>
           </a:p>
           <a:p>
+            <a:r>
+              <a:rPr lang="nl-NL" dirty="0" err="1"/>
+              <a:t>Transformer</a:t>
+            </a:r>
+            <a:r>
+              <a:rPr lang="nl-NL" dirty="0"/>
+              <a:t> model</a:t>
+            </a:r>
+          </a:p>
+          <a:p>
+            <a:r>
+              <a:rPr lang="nl-NL" dirty="0"/>
+              <a:t>Top-K Sampling</a:t>
+            </a:r>
+          </a:p>
+          <a:p>
+            <a:r>
+              <a:rPr lang="nl-NL" dirty="0" err="1"/>
+              <a:t>Temperature</a:t>
+            </a:r>
             <a:endParaRPr lang="nl-NL" dirty="0"/>
           </a:p>
         </p:txBody>
       </p:sp>
-      <p:pic>
-        <p:nvPicPr>
-          <p:cNvPr id="5" name="Afbeelding 4">
-            <a:extLst>
-              <a:ext uri="{FF2B5EF4-FFF2-40B4-BE49-F238E27FC236}">
-                <a16:creationId xmlns:a16="http://schemas.microsoft.com/office/drawing/2014/main" id="{3D3FA4BE-A07B-4AF4-8458-78A1F0E5D877}"/>
-              </a:ext>
-            </a:extLst>
-          </p:cNvPr>
-          <p:cNvPicPr>
-            <a:picLocks noChangeAspect="1"/>
-          </p:cNvPicPr>
-          <p:nvPr/>
-        </p:nvPicPr>
-        <p:blipFill>
-          <a:blip r:embed="rId2">
-            <a:extLst>
-              <a:ext uri="{28A0092B-C50C-407E-A947-70E740481C1C}">
-                <a14:useLocalDpi xmlns:a14="http://schemas.microsoft.com/office/drawing/2010/main" val="0"/>
-              </a:ext>
-            </a:extLst>
-          </a:blip>
-          <a:stretch>
-            <a:fillRect/>
-          </a:stretch>
-        </p:blipFill>
-        <p:spPr>
-          <a:xfrm>
-            <a:off x="7429066" y="3429000"/>
-            <a:ext cx="2359170" cy="3011706"/>
-          </a:xfrm>
-          <a:prstGeom prst="rect">
-            <a:avLst/>
-          </a:prstGeom>
-        </p:spPr>
-      </p:pic>
     </p:spTree>
     <p:extLst>
       <p:ext uri="{BB962C8B-B14F-4D97-AF65-F5344CB8AC3E}">
-        <p14:creationId xmlns:p14="http://schemas.microsoft.com/office/powerpoint/2010/main" val="3779194090"/>
+        <p14:creationId xmlns:p14="http://schemas.microsoft.com/office/powerpoint/2010/main" val="1986758681"/>
       </p:ext>
     </p:extLst>
   </p:cSld>

--- a/NLPCHEF.pptx
+++ b/NLPCHEF.pptx
@@ -6,15 +6,14 @@
   </p:sldMasterIdLst>
   <p:sldIdLst>
     <p:sldId id="256" r:id="rId2"/>
-    <p:sldId id="257" r:id="rId3"/>
-    <p:sldId id="258" r:id="rId4"/>
-    <p:sldId id="259" r:id="rId5"/>
-    <p:sldId id="261" r:id="rId6"/>
-    <p:sldId id="260" r:id="rId7"/>
-    <p:sldId id="266" r:id="rId8"/>
+    <p:sldId id="258" r:id="rId3"/>
+    <p:sldId id="259" r:id="rId4"/>
+    <p:sldId id="261" r:id="rId5"/>
+    <p:sldId id="260" r:id="rId6"/>
+    <p:sldId id="266" r:id="rId7"/>
+    <p:sldId id="265" r:id="rId8"/>
     <p:sldId id="262" r:id="rId9"/>
-    <p:sldId id="265" r:id="rId10"/>
-    <p:sldId id="264" r:id="rId11"/>
+    <p:sldId id="264" r:id="rId10"/>
   </p:sldIdLst>
   <p:sldSz cx="12192000" cy="6858000"/>
   <p:notesSz cx="6858000" cy="9144000"/>
@@ -134,10 +133,17 @@
   <pc:docChgLst>
     <pc:chgData name="tim holthuijsen" userId="c2227180cd231e55" providerId="LiveId" clId="{F5413509-B855-4530-A57A-94C55BBCA9EF}"/>
     <pc:docChg chg="custSel addSld delSld modSld sldOrd">
-      <pc:chgData name="tim holthuijsen" userId="c2227180cd231e55" providerId="LiveId" clId="{F5413509-B855-4530-A57A-94C55BBCA9EF}" dt="2021-05-17T12:00:08.796" v="554" actId="404"/>
+      <pc:chgData name="tim holthuijsen" userId="c2227180cd231e55" providerId="LiveId" clId="{F5413509-B855-4530-A57A-94C55BBCA9EF}" dt="2021-05-17T12:11:21.873" v="604" actId="1076"/>
       <pc:docMkLst>
         <pc:docMk/>
       </pc:docMkLst>
+      <pc:sldChg chg="del">
+        <pc:chgData name="tim holthuijsen" userId="c2227180cd231e55" providerId="LiveId" clId="{F5413509-B855-4530-A57A-94C55BBCA9EF}" dt="2021-05-17T12:08:48.061" v="573" actId="47"/>
+        <pc:sldMkLst>
+          <pc:docMk/>
+          <pc:sldMk cId="2995910110" sldId="257"/>
+        </pc:sldMkLst>
+      </pc:sldChg>
       <pc:sldChg chg="ord">
         <pc:chgData name="tim holthuijsen" userId="c2227180cd231e55" providerId="LiveId" clId="{F5413509-B855-4530-A57A-94C55BBCA9EF}" dt="2021-05-17T11:29:05.256" v="1"/>
         <pc:sldMkLst>
@@ -146,7 +152,7 @@
         </pc:sldMkLst>
       </pc:sldChg>
       <pc:sldChg chg="addSp modSp mod ord">
-        <pc:chgData name="tim holthuijsen" userId="c2227180cd231e55" providerId="LiveId" clId="{F5413509-B855-4530-A57A-94C55BBCA9EF}" dt="2021-05-17T11:38:43.984" v="49" actId="20577"/>
+        <pc:chgData name="tim holthuijsen" userId="c2227180cd231e55" providerId="LiveId" clId="{F5413509-B855-4530-A57A-94C55BBCA9EF}" dt="2021-05-17T12:09:41.109" v="577" actId="1076"/>
         <pc:sldMkLst>
           <pc:docMk/>
           <pc:sldMk cId="3879942516" sldId="260"/>
@@ -160,7 +166,7 @@
           </ac:spMkLst>
         </pc:spChg>
         <pc:spChg chg="add mod">
-          <ac:chgData name="tim holthuijsen" userId="c2227180cd231e55" providerId="LiveId" clId="{F5413509-B855-4530-A57A-94C55BBCA9EF}" dt="2021-05-17T11:38:12.675" v="30" actId="1076"/>
+          <ac:chgData name="tim holthuijsen" userId="c2227180cd231e55" providerId="LiveId" clId="{F5413509-B855-4530-A57A-94C55BBCA9EF}" dt="2021-05-17T12:09:27.720" v="574" actId="1076"/>
           <ac:spMkLst>
             <pc:docMk/>
             <pc:sldMk cId="3879942516" sldId="260"/>
@@ -168,7 +174,7 @@
           </ac:spMkLst>
         </pc:spChg>
         <pc:spChg chg="add mod">
-          <ac:chgData name="tim holthuijsen" userId="c2227180cd231e55" providerId="LiveId" clId="{F5413509-B855-4530-A57A-94C55BBCA9EF}" dt="2021-05-17T11:38:23.169" v="31" actId="1076"/>
+          <ac:chgData name="tim holthuijsen" userId="c2227180cd231e55" providerId="LiveId" clId="{F5413509-B855-4530-A57A-94C55BBCA9EF}" dt="2021-05-17T12:09:30.441" v="575" actId="1076"/>
           <ac:spMkLst>
             <pc:docMk/>
             <pc:sldMk cId="3879942516" sldId="260"/>
@@ -176,7 +182,7 @@
           </ac:spMkLst>
         </pc:spChg>
         <pc:picChg chg="add mod">
-          <ac:chgData name="tim holthuijsen" userId="c2227180cd231e55" providerId="LiveId" clId="{F5413509-B855-4530-A57A-94C55BBCA9EF}" dt="2021-05-17T11:38:26.024" v="32" actId="1076"/>
+          <ac:chgData name="tim holthuijsen" userId="c2227180cd231e55" providerId="LiveId" clId="{F5413509-B855-4530-A57A-94C55BBCA9EF}" dt="2021-05-17T12:09:41.109" v="577" actId="1076"/>
           <ac:picMkLst>
             <pc:docMk/>
             <pc:sldMk cId="3879942516" sldId="260"/>
@@ -184,12 +190,28 @@
           </ac:picMkLst>
         </pc:picChg>
       </pc:sldChg>
-      <pc:sldChg chg="ord">
-        <pc:chgData name="tim holthuijsen" userId="c2227180cd231e55" providerId="LiveId" clId="{F5413509-B855-4530-A57A-94C55BBCA9EF}" dt="2021-05-17T11:29:13.272" v="3"/>
+      <pc:sldChg chg="modSp mod ord">
+        <pc:chgData name="tim holthuijsen" userId="c2227180cd231e55" providerId="LiveId" clId="{F5413509-B855-4530-A57A-94C55BBCA9EF}" dt="2021-05-17T12:11:21.873" v="604" actId="1076"/>
         <pc:sldMkLst>
           <pc:docMk/>
           <pc:sldMk cId="2762963101" sldId="261"/>
         </pc:sldMkLst>
+        <pc:spChg chg="mod">
+          <ac:chgData name="tim holthuijsen" userId="c2227180cd231e55" providerId="LiveId" clId="{F5413509-B855-4530-A57A-94C55BBCA9EF}" dt="2021-05-17T12:11:02.524" v="602" actId="20577"/>
+          <ac:spMkLst>
+            <pc:docMk/>
+            <pc:sldMk cId="2762963101" sldId="261"/>
+            <ac:spMk id="2" creationId="{3B80D135-7C0B-42C9-B9CF-18F4F2BFA809}"/>
+          </ac:spMkLst>
+        </pc:spChg>
+        <pc:picChg chg="mod modCrop">
+          <ac:chgData name="tim holthuijsen" userId="c2227180cd231e55" providerId="LiveId" clId="{F5413509-B855-4530-A57A-94C55BBCA9EF}" dt="2021-05-17T12:11:21.873" v="604" actId="1076"/>
+          <ac:picMkLst>
+            <pc:docMk/>
+            <pc:sldMk cId="2762963101" sldId="261"/>
+            <ac:picMk id="8" creationId="{BB11F888-7B7E-4F37-B998-8624E76C9507}"/>
+          </ac:picMkLst>
+        </pc:picChg>
       </pc:sldChg>
       <pc:sldChg chg="addSp delSp modSp mod">
         <pc:chgData name="tim holthuijsen" userId="c2227180cd231e55" providerId="LiveId" clId="{F5413509-B855-4530-A57A-94C55BBCA9EF}" dt="2021-05-17T11:52:04.812" v="296" actId="478"/>
@@ -261,14 +283,14 @@
           <pc:sldMk cId="1432825462" sldId="263"/>
         </pc:sldMkLst>
       </pc:sldChg>
-      <pc:sldChg chg="modSp mod">
-        <pc:chgData name="tim holthuijsen" userId="c2227180cd231e55" providerId="LiveId" clId="{F5413509-B855-4530-A57A-94C55BBCA9EF}" dt="2021-05-17T11:54:12.591" v="453" actId="20577"/>
+      <pc:sldChg chg="modSp mod ord">
+        <pc:chgData name="tim holthuijsen" userId="c2227180cd231e55" providerId="LiveId" clId="{F5413509-B855-4530-A57A-94C55BBCA9EF}" dt="2021-05-17T12:05:51.502" v="572" actId="20577"/>
         <pc:sldMkLst>
           <pc:docMk/>
           <pc:sldMk cId="1986758681" sldId="265"/>
         </pc:sldMkLst>
         <pc:spChg chg="mod">
-          <ac:chgData name="tim holthuijsen" userId="c2227180cd231e55" providerId="LiveId" clId="{F5413509-B855-4530-A57A-94C55BBCA9EF}" dt="2021-05-17T11:48:40.651" v="250" actId="20577"/>
+          <ac:chgData name="tim holthuijsen" userId="c2227180cd231e55" providerId="LiveId" clId="{F5413509-B855-4530-A57A-94C55BBCA9EF}" dt="2021-05-17T12:05:45.838" v="571" actId="20577"/>
           <ac:spMkLst>
             <pc:docMk/>
             <pc:sldMk cId="1986758681" sldId="265"/>
@@ -276,7 +298,7 @@
           </ac:spMkLst>
         </pc:spChg>
         <pc:spChg chg="mod">
-          <ac:chgData name="tim holthuijsen" userId="c2227180cd231e55" providerId="LiveId" clId="{F5413509-B855-4530-A57A-94C55BBCA9EF}" dt="2021-05-17T11:54:12.591" v="453" actId="20577"/>
+          <ac:chgData name="tim holthuijsen" userId="c2227180cd231e55" providerId="LiveId" clId="{F5413509-B855-4530-A57A-94C55BBCA9EF}" dt="2021-05-17T12:05:51.502" v="572" actId="20577"/>
           <ac:spMkLst>
             <pc:docMk/>
             <pc:sldMk cId="1986758681" sldId="265"/>
@@ -7112,263 +7134,7 @@
 </p:sld>
 </file>
 
-<file path=ppt/slides/slide10.xml><?xml version="1.0" encoding="utf-8"?>
-<p:sld xmlns:a="http://schemas.openxmlformats.org/drawingml/2006/main" xmlns:r="http://schemas.openxmlformats.org/officeDocument/2006/relationships" xmlns:p="http://schemas.openxmlformats.org/presentationml/2006/main">
-  <p:cSld>
-    <p:spTree>
-      <p:nvGrpSpPr>
-        <p:cNvPr id="1" name=""/>
-        <p:cNvGrpSpPr/>
-        <p:nvPr/>
-      </p:nvGrpSpPr>
-      <p:grpSpPr>
-        <a:xfrm>
-          <a:off x="0" y="0"/>
-          <a:ext cx="0" cy="0"/>
-          <a:chOff x="0" y="0"/>
-          <a:chExt cx="0" cy="0"/>
-        </a:xfrm>
-      </p:grpSpPr>
-      <p:sp>
-        <p:nvSpPr>
-          <p:cNvPr id="2" name="Titel 1">
-            <a:extLst>
-              <a:ext uri="{FF2B5EF4-FFF2-40B4-BE49-F238E27FC236}">
-                <a16:creationId xmlns:a16="http://schemas.microsoft.com/office/drawing/2014/main" id="{4166E0D6-2485-49DD-910A-A93D3048E4A4}"/>
-              </a:ext>
-            </a:extLst>
-          </p:cNvPr>
-          <p:cNvSpPr>
-            <a:spLocks noGrp="1"/>
-          </p:cNvSpPr>
-          <p:nvPr>
-            <p:ph type="title"/>
-          </p:nvPr>
-        </p:nvSpPr>
-        <p:spPr/>
-        <p:txBody>
-          <a:bodyPr/>
-          <a:lstStyle/>
-          <a:p>
-            <a:r>
-              <a:rPr lang="en-GB" dirty="0"/>
-              <a:t>Conclusion</a:t>
-            </a:r>
-            <a:endParaRPr lang="nl-NL" dirty="0"/>
-          </a:p>
-        </p:txBody>
-      </p:sp>
-      <p:sp>
-        <p:nvSpPr>
-          <p:cNvPr id="3" name="Tijdelijke aanduiding voor inhoud 2">
-            <a:extLst>
-              <a:ext uri="{FF2B5EF4-FFF2-40B4-BE49-F238E27FC236}">
-                <a16:creationId xmlns:a16="http://schemas.microsoft.com/office/drawing/2014/main" id="{D21A0736-74D0-4707-BF9D-D53E985CE0FA}"/>
-              </a:ext>
-            </a:extLst>
-          </p:cNvPr>
-          <p:cNvSpPr>
-            <a:spLocks noGrp="1"/>
-          </p:cNvSpPr>
-          <p:nvPr>
-            <p:ph idx="1"/>
-          </p:nvPr>
-        </p:nvSpPr>
-        <p:spPr/>
-        <p:txBody>
-          <a:bodyPr/>
-          <a:lstStyle/>
-          <a:p>
-            <a:r>
-              <a:rPr lang="en-GB" dirty="0"/>
-              <a:t>The GPT-model versus our custom model</a:t>
-            </a:r>
-          </a:p>
-          <a:p>
-            <a:r>
-              <a:rPr lang="en-GB" dirty="0"/>
-              <a:t>Could it create cookbooks?</a:t>
-            </a:r>
-          </a:p>
-          <a:p>
-            <a:endParaRPr lang="nl-NL" dirty="0"/>
-          </a:p>
-          <a:p>
-            <a:endParaRPr lang="nl-NL" dirty="0"/>
-          </a:p>
-        </p:txBody>
-      </p:sp>
-      <p:pic>
-        <p:nvPicPr>
-          <p:cNvPr id="5" name="Afbeelding 4">
-            <a:extLst>
-              <a:ext uri="{FF2B5EF4-FFF2-40B4-BE49-F238E27FC236}">
-                <a16:creationId xmlns:a16="http://schemas.microsoft.com/office/drawing/2014/main" id="{3D3FA4BE-A07B-4AF4-8458-78A1F0E5D877}"/>
-              </a:ext>
-            </a:extLst>
-          </p:cNvPr>
-          <p:cNvPicPr>
-            <a:picLocks noChangeAspect="1"/>
-          </p:cNvPicPr>
-          <p:nvPr/>
-        </p:nvPicPr>
-        <p:blipFill>
-          <a:blip r:embed="rId2">
-            <a:extLst>
-              <a:ext uri="{28A0092B-C50C-407E-A947-70E740481C1C}">
-                <a14:useLocalDpi xmlns:a14="http://schemas.microsoft.com/office/drawing/2010/main" val="0"/>
-              </a:ext>
-            </a:extLst>
-          </a:blip>
-          <a:stretch>
-            <a:fillRect/>
-          </a:stretch>
-        </p:blipFill>
-        <p:spPr>
-          <a:xfrm>
-            <a:off x="7429066" y="3429000"/>
-            <a:ext cx="2359170" cy="3011706"/>
-          </a:xfrm>
-          <a:prstGeom prst="rect">
-            <a:avLst/>
-          </a:prstGeom>
-        </p:spPr>
-      </p:pic>
-    </p:spTree>
-    <p:extLst>
-      <p:ext uri="{BB962C8B-B14F-4D97-AF65-F5344CB8AC3E}">
-        <p14:creationId xmlns:p14="http://schemas.microsoft.com/office/powerpoint/2010/main" val="3779194090"/>
-      </p:ext>
-    </p:extLst>
-  </p:cSld>
-  <p:clrMapOvr>
-    <a:masterClrMapping/>
-  </p:clrMapOvr>
-</p:sld>
-</file>
-
 <file path=ppt/slides/slide2.xml><?xml version="1.0" encoding="utf-8"?>
-<p:sld xmlns:a="http://schemas.openxmlformats.org/drawingml/2006/main" xmlns:r="http://schemas.openxmlformats.org/officeDocument/2006/relationships" xmlns:p="http://schemas.openxmlformats.org/presentationml/2006/main">
-  <p:cSld>
-    <p:spTree>
-      <p:nvGrpSpPr>
-        <p:cNvPr id="1" name=""/>
-        <p:cNvGrpSpPr/>
-        <p:nvPr/>
-      </p:nvGrpSpPr>
-      <p:grpSpPr>
-        <a:xfrm>
-          <a:off x="0" y="0"/>
-          <a:ext cx="0" cy="0"/>
-          <a:chOff x="0" y="0"/>
-          <a:chExt cx="0" cy="0"/>
-        </a:xfrm>
-      </p:grpSpPr>
-      <p:sp>
-        <p:nvSpPr>
-          <p:cNvPr id="2" name="Titel 1">
-            <a:extLst>
-              <a:ext uri="{FF2B5EF4-FFF2-40B4-BE49-F238E27FC236}">
-                <a16:creationId xmlns:a16="http://schemas.microsoft.com/office/drawing/2014/main" id="{3F748336-1069-4858-BD0F-C9089B2F588A}"/>
-              </a:ext>
-            </a:extLst>
-          </p:cNvPr>
-          <p:cNvSpPr>
-            <a:spLocks noGrp="1"/>
-          </p:cNvSpPr>
-          <p:nvPr>
-            <p:ph type="title"/>
-          </p:nvPr>
-        </p:nvSpPr>
-        <p:spPr/>
-        <p:txBody>
-          <a:bodyPr/>
-          <a:lstStyle/>
-          <a:p>
-            <a:r>
-              <a:rPr lang="en-GB" dirty="0"/>
-              <a:t>Contents</a:t>
-            </a:r>
-            <a:endParaRPr lang="nl-NL" dirty="0"/>
-          </a:p>
-        </p:txBody>
-      </p:sp>
-      <p:sp>
-        <p:nvSpPr>
-          <p:cNvPr id="3" name="Tijdelijke aanduiding voor inhoud 2">
-            <a:extLst>
-              <a:ext uri="{FF2B5EF4-FFF2-40B4-BE49-F238E27FC236}">
-                <a16:creationId xmlns:a16="http://schemas.microsoft.com/office/drawing/2014/main" id="{87CAF737-2E04-4EDD-9D0B-DE4227DB3105}"/>
-              </a:ext>
-            </a:extLst>
-          </p:cNvPr>
-          <p:cNvSpPr>
-            <a:spLocks noGrp="1"/>
-          </p:cNvSpPr>
-          <p:nvPr>
-            <p:ph idx="1"/>
-          </p:nvPr>
-        </p:nvSpPr>
-        <p:spPr/>
-        <p:txBody>
-          <a:bodyPr>
-            <a:normAutofit/>
-          </a:bodyPr>
-          <a:lstStyle/>
-          <a:p>
-            <a:r>
-              <a:rPr lang="en-GB" dirty="0"/>
-              <a:t>Our project</a:t>
-            </a:r>
-          </a:p>
-          <a:p>
-            <a:r>
-              <a:rPr lang="nl-NL" dirty="0"/>
-              <a:t>Datasets</a:t>
-            </a:r>
-            <a:endParaRPr lang="en-GB" dirty="0"/>
-          </a:p>
-          <a:p>
-            <a:r>
-              <a:rPr lang="en-GB" dirty="0"/>
-              <a:t>GPT-2 model</a:t>
-            </a:r>
-          </a:p>
-          <a:p>
-            <a:r>
-              <a:rPr lang="en-GB" dirty="0"/>
-              <a:t>Custom model</a:t>
-            </a:r>
-          </a:p>
-          <a:p>
-            <a:r>
-              <a:rPr lang="nl-NL" dirty="0"/>
-              <a:t>Results</a:t>
-            </a:r>
-          </a:p>
-          <a:p>
-            <a:r>
-              <a:rPr lang="nl-NL" dirty="0" err="1"/>
-              <a:t>Conclusion</a:t>
-            </a:r>
-            <a:endParaRPr lang="nl-NL" dirty="0"/>
-          </a:p>
-        </p:txBody>
-      </p:sp>
-    </p:spTree>
-    <p:extLst>
-      <p:ext uri="{BB962C8B-B14F-4D97-AF65-F5344CB8AC3E}">
-        <p14:creationId xmlns:p14="http://schemas.microsoft.com/office/powerpoint/2010/main" val="2995910110"/>
-      </p:ext>
-    </p:extLst>
-  </p:cSld>
-  <p:clrMapOvr>
-    <a:masterClrMapping/>
-  </p:clrMapOvr>
-</p:sld>
-</file>
-
-<file path=ppt/slides/slide3.xml><?xml version="1.0" encoding="utf-8"?>
 <p:sld xmlns:a="http://schemas.openxmlformats.org/drawingml/2006/main" xmlns:r="http://schemas.openxmlformats.org/officeDocument/2006/relationships" xmlns:p="http://schemas.openxmlformats.org/presentationml/2006/main">
   <p:cSld>
     <p:spTree>
@@ -7515,7 +7281,7 @@
 </p:sld>
 </file>
 
-<file path=ppt/slides/slide4.xml><?xml version="1.0" encoding="utf-8"?>
+<file path=ppt/slides/slide3.xml><?xml version="1.0" encoding="utf-8"?>
 <p:sld xmlns:a="http://schemas.openxmlformats.org/drawingml/2006/main" xmlns:r="http://schemas.openxmlformats.org/officeDocument/2006/relationships" xmlns:p="http://schemas.openxmlformats.org/presentationml/2006/main">
   <p:cSld>
     <p:spTree>
@@ -7666,7 +7432,7 @@
 </p:sld>
 </file>
 
-<file path=ppt/slides/slide5.xml><?xml version="1.0" encoding="utf-8"?>
+<file path=ppt/slides/slide4.xml><?xml version="1.0" encoding="utf-8"?>
 <p:sld xmlns:a="http://schemas.openxmlformats.org/drawingml/2006/main" xmlns:r="http://schemas.openxmlformats.org/officeDocument/2006/relationships" xmlns:p="http://schemas.openxmlformats.org/presentationml/2006/main">
   <p:cSld>
     <p:spTree>
@@ -7706,7 +7472,7 @@
           <a:p>
             <a:r>
               <a:rPr lang="nl-NL" dirty="0"/>
-              <a:t>Results</a:t>
+              <a:t>GPt-2 Performance</a:t>
             </a:r>
             <a:br>
               <a:rPr lang="nl-NL" dirty="0"/>
@@ -7765,16 +7531,15 @@
           </p:cNvPicPr>
           <p:nvPr/>
         </p:nvPicPr>
-        <p:blipFill>
+        <p:blipFill rotWithShape="1">
           <a:blip r:embed="rId2"/>
-          <a:stretch>
-            <a:fillRect/>
-          </a:stretch>
+          <a:srcRect t="27469"/>
+          <a:stretch/>
         </p:blipFill>
         <p:spPr>
           <a:xfrm>
-            <a:off x="1251678" y="2572775"/>
-            <a:ext cx="8482445" cy="4285225"/>
+            <a:off x="1251678" y="2683005"/>
+            <a:ext cx="8482445" cy="3108121"/>
           </a:xfrm>
           <a:prstGeom prst="rect">
             <a:avLst/>
@@ -7794,7 +7559,7 @@
 </p:sld>
 </file>
 
-<file path=ppt/slides/slide6.xml><?xml version="1.0" encoding="utf-8"?>
+<file path=ppt/slides/slide5.xml><?xml version="1.0" encoding="utf-8"?>
 <p:sld xmlns:a="http://schemas.openxmlformats.org/drawingml/2006/main" xmlns:r="http://schemas.openxmlformats.org/officeDocument/2006/relationships" xmlns:p="http://schemas.openxmlformats.org/presentationml/2006/main">
   <p:cSld>
     <p:spTree>
@@ -7917,7 +7682,7 @@
         </p:nvSpPr>
         <p:spPr>
           <a:xfrm>
-            <a:off x="5758194" y="3514729"/>
+            <a:off x="7050099" y="3521209"/>
             <a:ext cx="2382474" cy="461665"/>
           </a:xfrm>
           <a:prstGeom prst="rect">
@@ -7952,7 +7717,7 @@
         </p:nvSpPr>
         <p:spPr>
           <a:xfrm>
-            <a:off x="3902130" y="4057388"/>
+            <a:off x="5194035" y="4056273"/>
             <a:ext cx="6094602" cy="369332"/>
           </a:xfrm>
           <a:prstGeom prst="rect">
@@ -7995,7 +7760,7 @@
         </p:blipFill>
         <p:spPr>
           <a:xfrm>
-            <a:off x="3070506" y="4498107"/>
+            <a:off x="4152686" y="4499004"/>
             <a:ext cx="7757850" cy="1414030"/>
           </a:xfrm>
           <a:prstGeom prst="rect">
@@ -8016,7 +7781,7 @@
 </p:sld>
 </file>
 
-<file path=ppt/slides/slide7.xml><?xml version="1.0" encoding="utf-8"?>
+<file path=ppt/slides/slide6.xml><?xml version="1.0" encoding="utf-8"?>
 <p:sld xmlns:a="http://schemas.openxmlformats.org/drawingml/2006/main" xmlns:r="http://schemas.openxmlformats.org/officeDocument/2006/relationships" xmlns:p="http://schemas.openxmlformats.org/presentationml/2006/main">
   <p:cSld>
     <p:spTree>
@@ -8214,6 +7979,113 @@
     <p:extLst>
       <p:ext uri="{BB962C8B-B14F-4D97-AF65-F5344CB8AC3E}">
         <p14:creationId xmlns:p14="http://schemas.microsoft.com/office/powerpoint/2010/main" val="2627378406"/>
+      </p:ext>
+    </p:extLst>
+  </p:cSld>
+  <p:clrMapOvr>
+    <a:masterClrMapping/>
+  </p:clrMapOvr>
+</p:sld>
+</file>
+
+<file path=ppt/slides/slide7.xml><?xml version="1.0" encoding="utf-8"?>
+<p:sld xmlns:a="http://schemas.openxmlformats.org/drawingml/2006/main" xmlns:r="http://schemas.openxmlformats.org/officeDocument/2006/relationships" xmlns:p="http://schemas.openxmlformats.org/presentationml/2006/main">
+  <p:cSld>
+    <p:spTree>
+      <p:nvGrpSpPr>
+        <p:cNvPr id="1" name=""/>
+        <p:cNvGrpSpPr/>
+        <p:nvPr/>
+      </p:nvGrpSpPr>
+      <p:grpSpPr>
+        <a:xfrm>
+          <a:off x="0" y="0"/>
+          <a:ext cx="0" cy="0"/>
+          <a:chOff x="0" y="0"/>
+          <a:chExt cx="0" cy="0"/>
+        </a:xfrm>
+      </p:grpSpPr>
+      <p:sp>
+        <p:nvSpPr>
+          <p:cNvPr id="2" name="Titel 1">
+            <a:extLst>
+              <a:ext uri="{FF2B5EF4-FFF2-40B4-BE49-F238E27FC236}">
+                <a16:creationId xmlns:a16="http://schemas.microsoft.com/office/drawing/2014/main" id="{41F68558-FF58-4081-A07F-85CB64DB8F02}"/>
+              </a:ext>
+            </a:extLst>
+          </p:cNvPr>
+          <p:cNvSpPr>
+            <a:spLocks noGrp="1"/>
+          </p:cNvSpPr>
+          <p:nvPr>
+            <p:ph type="title"/>
+          </p:nvPr>
+        </p:nvSpPr>
+        <p:spPr/>
+        <p:txBody>
+          <a:bodyPr/>
+          <a:lstStyle/>
+          <a:p>
+            <a:r>
+              <a:rPr lang="en-GB" dirty="0"/>
+              <a:t>Hyperparameters</a:t>
+            </a:r>
+            <a:br>
+              <a:rPr lang="en-GB" dirty="0"/>
+            </a:br>
+            <a:endParaRPr lang="nl-NL" dirty="0"/>
+          </a:p>
+        </p:txBody>
+      </p:sp>
+      <p:sp>
+        <p:nvSpPr>
+          <p:cNvPr id="3" name="Tijdelijke aanduiding voor inhoud 2">
+            <a:extLst>
+              <a:ext uri="{FF2B5EF4-FFF2-40B4-BE49-F238E27FC236}">
+                <a16:creationId xmlns:a16="http://schemas.microsoft.com/office/drawing/2014/main" id="{7C57D791-84EC-4B63-A260-96837B3978DD}"/>
+              </a:ext>
+            </a:extLst>
+          </p:cNvPr>
+          <p:cNvSpPr>
+            <a:spLocks noGrp="1"/>
+          </p:cNvSpPr>
+          <p:nvPr>
+            <p:ph idx="1"/>
+          </p:nvPr>
+        </p:nvSpPr>
+        <p:spPr/>
+        <p:txBody>
+          <a:bodyPr/>
+          <a:lstStyle/>
+          <a:p>
+            <a:r>
+              <a:rPr lang="nl-NL" dirty="0" err="1"/>
+              <a:t>Transformer</a:t>
+            </a:r>
+            <a:r>
+              <a:rPr lang="nl-NL" dirty="0"/>
+              <a:t> model</a:t>
+            </a:r>
+          </a:p>
+          <a:p>
+            <a:r>
+              <a:rPr lang="nl-NL" dirty="0"/>
+              <a:t>Top-K Sampling</a:t>
+            </a:r>
+          </a:p>
+          <a:p>
+            <a:r>
+              <a:rPr lang="nl-NL" dirty="0" err="1"/>
+              <a:t>Temperature</a:t>
+            </a:r>
+            <a:endParaRPr lang="nl-NL" dirty="0"/>
+          </a:p>
+        </p:txBody>
+      </p:sp>
+    </p:spTree>
+    <p:extLst>
+      <p:ext uri="{BB962C8B-B14F-4D97-AF65-F5344CB8AC3E}">
+        <p14:creationId xmlns:p14="http://schemas.microsoft.com/office/powerpoint/2010/main" val="1986758681"/>
       </p:ext>
     </p:extLst>
   </p:cSld>
@@ -9276,7 +9148,7 @@
           <p:cNvPr id="2" name="Titel 1">
             <a:extLst>
               <a:ext uri="{FF2B5EF4-FFF2-40B4-BE49-F238E27FC236}">
-                <a16:creationId xmlns:a16="http://schemas.microsoft.com/office/drawing/2014/main" id="{41F68558-FF58-4081-A07F-85CB64DB8F02}"/>
+                <a16:creationId xmlns:a16="http://schemas.microsoft.com/office/drawing/2014/main" id="{4166E0D6-2485-49DD-910A-A93D3048E4A4}"/>
               </a:ext>
             </a:extLst>
           </p:cNvPr>
@@ -9294,11 +9166,8 @@
           <a:p>
             <a:r>
               <a:rPr lang="en-GB" dirty="0"/>
-              <a:t>Results</a:t>
-            </a:r>
-            <a:br>
-              <a:rPr lang="en-GB" dirty="0"/>
-            </a:br>
+              <a:t>Conclusion</a:t>
+            </a:r>
             <a:endParaRPr lang="nl-NL" dirty="0"/>
           </a:p>
         </p:txBody>
@@ -9308,7 +9177,7 @@
           <p:cNvPr id="3" name="Tijdelijke aanduiding voor inhoud 2">
             <a:extLst>
               <a:ext uri="{FF2B5EF4-FFF2-40B4-BE49-F238E27FC236}">
-                <a16:creationId xmlns:a16="http://schemas.microsoft.com/office/drawing/2014/main" id="{7C57D791-84EC-4B63-A260-96837B3978DD}"/>
+                <a16:creationId xmlns:a16="http://schemas.microsoft.com/office/drawing/2014/main" id="{D21A0736-74D0-4707-BF9D-D53E985CE0FA}"/>
               </a:ext>
             </a:extLst>
           </p:cNvPr>
@@ -9325,68 +9194,64 @@
           <a:lstStyle/>
           <a:p>
             <a:r>
-              <a:rPr lang="nl-NL" dirty="0"/>
-              <a:t>GPT-</a:t>
-            </a:r>
-            <a:r>
-              <a:rPr lang="nl-NL" dirty="0" err="1"/>
-              <a:t>Recipe</a:t>
-            </a:r>
-            <a:r>
-              <a:rPr lang="nl-NL" dirty="0"/>
-              <a:t> </a:t>
-            </a:r>
-            <a:r>
-              <a:rPr lang="nl-NL" dirty="0" err="1"/>
-              <a:t>vs</a:t>
-            </a:r>
-            <a:r>
-              <a:rPr lang="nl-NL" dirty="0"/>
-              <a:t> </a:t>
-            </a:r>
-            <a:r>
-              <a:rPr lang="nl-NL" dirty="0" err="1"/>
-              <a:t>Custom</a:t>
-            </a:r>
-            <a:r>
-              <a:rPr lang="nl-NL" dirty="0"/>
-              <a:t> </a:t>
-            </a:r>
-            <a:r>
-              <a:rPr lang="nl-NL" dirty="0" err="1"/>
-              <a:t>Recipe</a:t>
-            </a:r>
+              <a:rPr lang="en-GB" dirty="0"/>
+              <a:t>The GPT-model versus our custom model</a:t>
+            </a:r>
+          </a:p>
+          <a:p>
+            <a:r>
+              <a:rPr lang="en-GB" dirty="0"/>
+              <a:t>Could it create cookbooks?</a:t>
+            </a:r>
+          </a:p>
+          <a:p>
             <a:endParaRPr lang="nl-NL" dirty="0"/>
           </a:p>
           <a:p>
-            <a:r>
-              <a:rPr lang="nl-NL" dirty="0" err="1"/>
-              <a:t>Transformer</a:t>
-            </a:r>
-            <a:r>
-              <a:rPr lang="nl-NL" dirty="0"/>
-              <a:t> model</a:t>
-            </a:r>
-          </a:p>
-          <a:p>
-            <a:r>
-              <a:rPr lang="nl-NL" dirty="0"/>
-              <a:t>Top-K Sampling</a:t>
-            </a:r>
-          </a:p>
-          <a:p>
-            <a:r>
-              <a:rPr lang="nl-NL" dirty="0" err="1"/>
-              <a:t>Temperature</a:t>
-            </a:r>
             <a:endParaRPr lang="nl-NL" dirty="0"/>
           </a:p>
         </p:txBody>
       </p:sp>
+      <p:pic>
+        <p:nvPicPr>
+          <p:cNvPr id="5" name="Afbeelding 4">
+            <a:extLst>
+              <a:ext uri="{FF2B5EF4-FFF2-40B4-BE49-F238E27FC236}">
+                <a16:creationId xmlns:a16="http://schemas.microsoft.com/office/drawing/2014/main" id="{3D3FA4BE-A07B-4AF4-8458-78A1F0E5D877}"/>
+              </a:ext>
+            </a:extLst>
+          </p:cNvPr>
+          <p:cNvPicPr>
+            <a:picLocks noChangeAspect="1"/>
+          </p:cNvPicPr>
+          <p:nvPr/>
+        </p:nvPicPr>
+        <p:blipFill>
+          <a:blip r:embed="rId2">
+            <a:extLst>
+              <a:ext uri="{28A0092B-C50C-407E-A947-70E740481C1C}">
+                <a14:useLocalDpi xmlns:a14="http://schemas.microsoft.com/office/drawing/2010/main" val="0"/>
+              </a:ext>
+            </a:extLst>
+          </a:blip>
+          <a:stretch>
+            <a:fillRect/>
+          </a:stretch>
+        </p:blipFill>
+        <p:spPr>
+          <a:xfrm>
+            <a:off x="7429066" y="3429000"/>
+            <a:ext cx="2359170" cy="3011706"/>
+          </a:xfrm>
+          <a:prstGeom prst="rect">
+            <a:avLst/>
+          </a:prstGeom>
+        </p:spPr>
+      </p:pic>
     </p:spTree>
     <p:extLst>
       <p:ext uri="{BB962C8B-B14F-4D97-AF65-F5344CB8AC3E}">
-        <p14:creationId xmlns:p14="http://schemas.microsoft.com/office/powerpoint/2010/main" val="1986758681"/>
+        <p14:creationId xmlns:p14="http://schemas.microsoft.com/office/powerpoint/2010/main" val="3779194090"/>
       </p:ext>
     </p:extLst>
   </p:cSld>
